--- a/Konfigurationen.pptx
+++ b/Konfigurationen.pptx
@@ -2297,206 +2297,6 @@
 </pc:chgInfo>
 </file>
 
-<file path=ppt/comments/modernComment_111_6C76113E.xml><?xml version="1.0" encoding="utf-8"?>
-<p188:cmLst xmlns:a="http://schemas.openxmlformats.org/drawingml/2006/main" xmlns:r="http://schemas.openxmlformats.org/officeDocument/2006/relationships" xmlns:p188="http://schemas.microsoft.com/office/powerpoint/2018/8/main">
-  <p188:cm id="{5AE7529F-67D8-4F71-B7FE-4DE3276B2DC9}" authorId="{12C71E71-EBE9-8B0C-626C-96F30406D1A4}" created="2024-08-07T14:29:48.941">
-    <ac:txMkLst xmlns:ac="http://schemas.microsoft.com/office/drawing/2013/main/command">
-      <pc:docMk xmlns:pc="http://schemas.microsoft.com/office/powerpoint/2013/main/command"/>
-      <pc:sldMk xmlns:pc="http://schemas.microsoft.com/office/powerpoint/2013/main/command" cId="1819676990" sldId="273"/>
-      <ac:spMk id="3" creationId="{2775CA9D-2E61-21BF-FA21-380B14AE17E3}"/>
-      <ac:txMk cp="48" len="17">
-        <ac:context len="976" hash="3384122309"/>
-      </ac:txMk>
-    </ac:txMkLst>
-    <p188:txBody>
-      <a:bodyPr/>
-      <a:lstStyle/>
-      <a:p>
-        <a:r>
-          <a:rPr lang="de-DE"/>
-          <a:t>Vorallem bei OpenSource unmöglich nutzbar, da geheime Daten preis gegeben werden</a:t>
-        </a:r>
-      </a:p>
-    </p188:txBody>
-  </p188:cm>
-  <p188:cm id="{7B2E6F75-5D68-47CB-9A29-A1E3FFFF2A5A}" authorId="{12C71E71-EBE9-8B0C-626C-96F30406D1A4}" created="2024-08-07T14:30:51.594">
-    <ac:txMkLst xmlns:ac="http://schemas.microsoft.com/office/drawing/2013/main/command">
-      <pc:docMk xmlns:pc="http://schemas.microsoft.com/office/powerpoint/2013/main/command"/>
-      <pc:sldMk xmlns:pc="http://schemas.microsoft.com/office/powerpoint/2013/main/command" cId="1819676990" sldId="273"/>
-      <ac:spMk id="3" creationId="{2775CA9D-2E61-21BF-FA21-380B14AE17E3}"/>
-      <ac:txMk cp="121" len="25">
-        <ac:context len="976" hash="3384122309"/>
-      </ac:txMk>
-    </ac:txMkLst>
-    <p188:txBody>
-      <a:bodyPr/>
-      <a:lstStyle/>
-      <a:p>
-        <a:r>
-          <a:rPr lang="de-DE"/>
-          <a:t>Bei Fehlern schnelles zurück springen</a:t>
-        </a:r>
-      </a:p>
-    </p188:txBody>
-  </p188:cm>
-  <p188:cm id="{93F06DFF-BA84-4030-927A-C0BA57C344F6}" authorId="{12C71E71-EBE9-8B0C-626C-96F30406D1A4}" created="2024-08-07T14:32:32.107">
-    <ac:txMkLst xmlns:ac="http://schemas.microsoft.com/office/drawing/2013/main/command">
-      <pc:docMk xmlns:pc="http://schemas.microsoft.com/office/powerpoint/2013/main/command"/>
-      <pc:sldMk xmlns:pc="http://schemas.microsoft.com/office/powerpoint/2013/main/command" cId="1819676990" sldId="273"/>
-      <ac:spMk id="3" creationId="{2775CA9D-2E61-21BF-FA21-380B14AE17E3}"/>
-      <ac:txMk cp="449" len="54">
-        <ac:context len="976" hash="3384122309"/>
-      </ac:txMk>
-    </ac:txMkLst>
-    <p188:txBody>
-      <a:bodyPr/>
-      <a:lstStyle/>
-      <a:p>
-        <a:r>
-          <a:rPr lang="de-DE"/>
-          <a:t>Nur Personen mit Zugriff auf das System</a:t>
-        </a:r>
-      </a:p>
-    </p188:txBody>
-  </p188:cm>
-  <p188:cm id="{66FAC49A-0DC7-4BBB-8790-90D4A7CEB374}" authorId="{12C71E71-EBE9-8B0C-626C-96F30406D1A4}" created="2024-08-07T14:33:54.369">
-    <ac:txMkLst xmlns:ac="http://schemas.microsoft.com/office/drawing/2013/main/command">
-      <pc:docMk xmlns:pc="http://schemas.microsoft.com/office/powerpoint/2013/main/command"/>
-      <pc:sldMk xmlns:pc="http://schemas.microsoft.com/office/powerpoint/2013/main/command" cId="1819676990" sldId="273"/>
-      <ac:spMk id="3" creationId="{2775CA9D-2E61-21BF-FA21-380B14AE17E3}"/>
-      <ac:txMk cp="285" len="58">
-        <ac:context len="976" hash="3384122309"/>
-      </ac:txMk>
-    </ac:txMkLst>
-    <p188:replyLst>
-      <p188:reply id="{2ECEADED-4AEC-490F-977E-1B1F5FE1793E}" authorId="{12C71E71-EBE9-8B0C-626C-96F30406D1A4}" created="2024-08-07T14:34:34.357">
-        <p188:txBody>
-          <a:bodyPr/>
-          <a:lstStyle/>
-          <a:p>
-            <a:r>
-              <a:rPr lang="de-DE"/>
-              <a:t>Bei mehereren Servern muss man mehrmals die Config ändern</a:t>
-            </a:r>
-          </a:p>
-        </p188:txBody>
-      </p188:reply>
-    </p188:replyLst>
-    <p188:txBody>
-      <a:bodyPr/>
-      <a:lstStyle/>
-      <a:p>
-        <a:r>
-          <a:rPr lang="de-DE"/>
-          <a:t>Unternehmen kann sehr spezifisch eingerichtete Zugänge haben mit langen Bürokratischen wegen.
-Vorallem am Anfang der Entwicklung durch häufiges Ändern der Konfiguration.</a:t>
-        </a:r>
-      </a:p>
-    </p188:txBody>
-  </p188:cm>
-  <p188:cm id="{13AA45F6-2660-4564-ABFD-A74259183247}" authorId="{12C71E71-EBE9-8B0C-626C-96F30406D1A4}" created="2024-08-07T14:36:36.914">
-    <ac:txMkLst xmlns:ac="http://schemas.microsoft.com/office/drawing/2013/main/command">
-      <pc:docMk xmlns:pc="http://schemas.microsoft.com/office/powerpoint/2013/main/command"/>
-      <pc:sldMk xmlns:pc="http://schemas.microsoft.com/office/powerpoint/2013/main/command" cId="1819676990" sldId="273"/>
-      <ac:spMk id="3" creationId="{2775CA9D-2E61-21BF-FA21-380B14AE17E3}"/>
-      <ac:txMk cp="660" len="33">
-        <ac:context len="976" hash="3384122309"/>
-      </ac:txMk>
-    </ac:txMkLst>
-    <p188:txBody>
-      <a:bodyPr/>
-      <a:lstStyle/>
-      <a:p>
-        <a:r>
-          <a:rPr lang="de-DE"/>
-          <a:t>Bsp API-KEY</a:t>
-        </a:r>
-      </a:p>
-    </p188:txBody>
-  </p188:cm>
-  <p188:cm id="{30E358E8-24FE-43D7-B051-935286AE3FF8}" authorId="{12C71E71-EBE9-8B0C-626C-96F30406D1A4}" created="2024-08-07T14:39:21.483">
-    <ac:txMkLst xmlns:ac="http://schemas.microsoft.com/office/drawing/2013/main/command">
-      <pc:docMk xmlns:pc="http://schemas.microsoft.com/office/powerpoint/2013/main/command"/>
-      <pc:sldMk xmlns:pc="http://schemas.microsoft.com/office/powerpoint/2013/main/command" cId="1819676990" sldId="273"/>
-      <ac:spMk id="3" creationId="{2775CA9D-2E61-21BF-FA21-380B14AE17E3}"/>
-      <ac:txMk cp="4" len="32">
-        <ac:context len="976" hash="3384122309"/>
-      </ac:txMk>
-    </ac:txMkLst>
-    <p188:txBody>
-      <a:bodyPr/>
-      <a:lstStyle/>
-      <a:p>
-        <a:r>
-          <a:rPr lang="de-DE"/>
-          <a:t>Gut für kleine nicht öffentliche Projekte</a:t>
-        </a:r>
-      </a:p>
-    </p188:txBody>
-  </p188:cm>
-  <p188:cm id="{95BE2EDD-6E9A-4465-9E4F-FC11A08494AD}" authorId="{12C71E71-EBE9-8B0C-626C-96F30406D1A4}" created="2024-08-07T14:39:58.735">
-    <ac:txMkLst xmlns:ac="http://schemas.microsoft.com/office/drawing/2013/main/command">
-      <pc:docMk xmlns:pc="http://schemas.microsoft.com/office/powerpoint/2013/main/command"/>
-      <pc:sldMk xmlns:pc="http://schemas.microsoft.com/office/powerpoint/2013/main/command" cId="1819676990" sldId="273"/>
-      <ac:spMk id="3" creationId="{2775CA9D-2E61-21BF-FA21-380B14AE17E3}"/>
-      <ac:txMk cp="219" len="65">
-        <ac:context len="976" hash="3384122309"/>
-      </ac:txMk>
-    </ac:txMkLst>
-    <p188:txBody>
-      <a:bodyPr/>
-      <a:lstStyle/>
-      <a:p>
-        <a:r>
-          <a:rPr lang="de-DE"/>
-          <a:t>Gut für kleinere Projekte, wo ein paar Daten geheim bleiben müssen</a:t>
-        </a:r>
-      </a:p>
-    </p188:txBody>
-  </p188:cm>
-  <p188:cm id="{ED73D071-8324-4329-97BC-1E8F19D999CD}" authorId="{12C71E71-EBE9-8B0C-626C-96F30406D1A4}" created="2024-08-07T14:40:28.935">
-    <ac:txMkLst xmlns:ac="http://schemas.microsoft.com/office/drawing/2013/main/command">
-      <pc:docMk xmlns:pc="http://schemas.microsoft.com/office/powerpoint/2013/main/command"/>
-      <pc:sldMk xmlns:pc="http://schemas.microsoft.com/office/powerpoint/2013/main/command" cId="1819676990" sldId="273"/>
-      <ac:spMk id="3" creationId="{2775CA9D-2E61-21BF-FA21-380B14AE17E3}"/>
-      <ac:txMk cp="513" len="58">
-        <ac:context len="976" hash="3384122309"/>
-      </ac:txMk>
-    </ac:txMkLst>
-    <p188:txBody>
-      <a:bodyPr/>
-      <a:lstStyle/>
-      <a:p>
-        <a:r>
-          <a:rPr lang="de-DE"/>
-          <a:t>Gut für Projekte, die geheime Daten brauchen und vll mehrere Server nutzen</a:t>
-        </a:r>
-      </a:p>
-    </p188:txBody>
-  </p188:cm>
-  <p188:cm id="{FC3D090F-35EE-4222-A644-AC1182B1F36B}" authorId="{12C71E71-EBE9-8B0C-626C-96F30406D1A4}" created="2024-08-07T14:40:39.173">
-    <ac:txMkLst xmlns:ac="http://schemas.microsoft.com/office/drawing/2013/main/command">
-      <pc:docMk xmlns:pc="http://schemas.microsoft.com/office/powerpoint/2013/main/command"/>
-      <pc:sldMk xmlns:pc="http://schemas.microsoft.com/office/powerpoint/2013/main/command" cId="1819676990" sldId="273"/>
-      <ac:spMk id="3" creationId="{2775CA9D-2E61-21BF-FA21-380B14AE17E3}"/>
-      <ac:txMk cp="739" len="89">
-        <ac:context len="976" hash="3384122309"/>
-      </ac:txMk>
-    </ac:txMkLst>
-    <p188:txBody>
-      <a:bodyPr/>
-      <a:lstStyle/>
-      <a:p>
-        <a:r>
-          <a:rPr lang="de-DE"/>
-          <a:t>Gut für große Projekte</a:t>
-        </a:r>
-      </a:p>
-    </p188:txBody>
-  </p188:cm>
-</p188:cmLst>
-</file>
-
 <file path=ppt/diagrams/colors1.xml><?xml version="1.0" encoding="utf-8"?>
 <dgm:colorsDef xmlns:dgm="http://schemas.openxmlformats.org/drawingml/2006/diagram" xmlns:a="http://schemas.openxmlformats.org/drawingml/2006/main" uniqueId="urn:microsoft.com/office/officeart/2018/5/colors/Iconchunking_neutralicon_colorful1">
   <dgm:title val=""/>
@@ -8155,7 +7955,7 @@
   <dgm:whole/>
   <dgm:extLst>
     <a:ext uri="http://schemas.microsoft.com/office/drawing/2008/diagram">
-      <dsp:dataModelExt xmlns:dsp="http://schemas.microsoft.com/office/drawing/2008/diagram" relId="rId7" minVer="http://schemas.openxmlformats.org/drawingml/2006/diagram"/>
+      <dsp:dataModelExt xmlns:dsp="http://schemas.microsoft.com/office/drawing/2008/diagram" relId="rId6" minVer="http://schemas.openxmlformats.org/drawingml/2006/diagram"/>
     </a:ext>
   </dgm:extLst>
 </dgm:dataModel>
@@ -21717,7 +21517,7 @@
         </p:xfrm>
         <a:graphic>
           <a:graphicData uri="http://schemas.openxmlformats.org/drawingml/2006/diagram">
-            <dgm:relIds xmlns:dgm="http://schemas.openxmlformats.org/drawingml/2006/diagram" xmlns:r="http://schemas.openxmlformats.org/officeDocument/2006/relationships" r:dm="rId3" r:lo="rId4" r:qs="rId5" r:cs="rId6"/>
+            <dgm:relIds xmlns:dgm="http://schemas.openxmlformats.org/drawingml/2006/diagram" xmlns:r="http://schemas.openxmlformats.org/officeDocument/2006/relationships" r:dm="rId2" r:lo="rId3" r:qs="rId4" r:cs="rId5"/>
           </a:graphicData>
         </a:graphic>
       </p:graphicFrame>
@@ -21734,11 +21534,6 @@
   <p:transition spd="slow">
     <p:pull/>
   </p:transition>
-  <p:extLst>
-    <p:ext uri="{6950BFC3-D8DA-4A85-94F7-54DA5524770B}">
-      <p188:commentRel xmlns:p188="http://schemas.microsoft.com/office/powerpoint/2018/8/main" r:id="rId2"/>
-    </p:ext>
-  </p:extLst>
 </p:sld>
 </file>
 

--- a/Konfigurationen.pptx
+++ b/Konfigurationen.pptx
@@ -7273,18 +7273,13 @@
         <a:lstStyle/>
         <a:p>
           <a:r>
-            <a:rPr lang="de-DE">
+            <a:rPr lang="de-DE" dirty="0">
               <a:solidFill>
                 <a:srgbClr val="C00000"/>
               </a:solidFill>
             </a:rPr>
-            <a:t>Möglicherweise Umständliche Änderungsweg der Konfiguration</a:t>
+            <a:t>Möglicherweise umständlicher Änderungsweg der Konfiguration</a:t>
           </a:r>
-          <a:endParaRPr lang="de-DE" dirty="0">
-            <a:solidFill>
-              <a:srgbClr val="C00000"/>
-            </a:solidFill>
-          </a:endParaRPr>
         </a:p>
       </dgm:t>
     </dgm:pt>
@@ -7590,7 +7585,7 @@
         <a:lstStyle/>
         <a:p>
           <a:r>
-            <a:rPr lang="de-DE">
+            <a:rPr lang="de-DE" dirty="0">
               <a:solidFill>
                 <a:schemeClr val="accent6">
                   <a:lumMod val="75000"/>
@@ -7599,13 +7594,6 @@
             </a:rPr>
             <a:t>Konfiguration ist automatisiert</a:t>
           </a:r>
-          <a:endParaRPr lang="de-DE" dirty="0">
-            <a:solidFill>
-              <a:schemeClr val="accent6">
-                <a:lumMod val="75000"/>
-              </a:schemeClr>
-            </a:solidFill>
-          </a:endParaRPr>
         </a:p>
       </dgm:t>
     </dgm:pt>
@@ -7729,7 +7717,7 @@
         </a:p>
       </dgm:t>
     </dgm:pt>
-    <dgm:pt modelId="{BC578B3C-FE4D-474D-8B21-DE03CEA05876}">
+    <dgm:pt modelId="{21E40824-29B9-4D68-954C-7499E5791B72}">
       <dgm:prSet/>
       <dgm:spPr/>
       <dgm:t>
@@ -7737,7 +7725,127 @@
         <a:lstStyle/>
         <a:p>
           <a:r>
-            <a:rPr lang="de-DE">
+            <a:rPr lang="de-DE" dirty="0">
+              <a:solidFill>
+                <a:schemeClr val="tx1"/>
+              </a:solidFill>
+            </a:rPr>
+            <a:t>Kleine Projekte ohne geheime Daten (API-Keys)</a:t>
+          </a:r>
+        </a:p>
+      </dgm:t>
+    </dgm:pt>
+    <dgm:pt modelId="{85355F31-F00D-4FCF-9508-5E1B2EC60D4F}" type="parTrans" cxnId="{CA518343-11C9-4796-A003-ACE061CCA4B4}">
+      <dgm:prSet/>
+      <dgm:spPr/>
+    </dgm:pt>
+    <dgm:pt modelId="{C1BFABF4-17E4-474B-883F-9EAE79ECF64D}" type="sibTrans" cxnId="{CA518343-11C9-4796-A003-ACE061CCA4B4}">
+      <dgm:prSet/>
+      <dgm:spPr/>
+    </dgm:pt>
+    <dgm:pt modelId="{28C66B3C-38EE-46B3-A75F-000D46B2448D}">
+      <dgm:prSet/>
+      <dgm:spPr/>
+      <dgm:t>
+        <a:bodyPr/>
+        <a:lstStyle/>
+        <a:p>
+          <a:r>
+            <a:rPr lang="de-DE" dirty="0">
+              <a:solidFill>
+                <a:schemeClr val="tx1"/>
+              </a:solidFill>
+            </a:rPr>
+            <a:t>Kleinere Projekte mit geheimen Daten (API-Keys) &amp; wenigen Endsystemen (Test, </a:t>
+          </a:r>
+          <a:r>
+            <a:rPr lang="de-DE" dirty="0" err="1">
+              <a:solidFill>
+                <a:schemeClr val="tx1"/>
+              </a:solidFill>
+            </a:rPr>
+            <a:t>Prod</a:t>
+          </a:r>
+          <a:r>
+            <a:rPr lang="de-DE" dirty="0">
+              <a:solidFill>
+                <a:schemeClr val="tx1"/>
+              </a:solidFill>
+            </a:rPr>
+            <a:t>)</a:t>
+          </a:r>
+        </a:p>
+      </dgm:t>
+    </dgm:pt>
+    <dgm:pt modelId="{CEBD211D-7981-4B1C-A08C-64F7E503A69F}" type="parTrans" cxnId="{69ED992F-08DF-47A0-B0B3-C433705F894B}">
+      <dgm:prSet/>
+      <dgm:spPr/>
+    </dgm:pt>
+    <dgm:pt modelId="{B4177EAB-1DF6-46D6-9C18-3885FE671BF2}" type="sibTrans" cxnId="{69ED992F-08DF-47A0-B0B3-C433705F894B}">
+      <dgm:prSet/>
+      <dgm:spPr/>
+    </dgm:pt>
+    <dgm:pt modelId="{6AE520CF-A4D9-44BB-A994-6C265B1CC112}">
+      <dgm:prSet/>
+      <dgm:spPr/>
+      <dgm:t>
+        <a:bodyPr/>
+        <a:lstStyle/>
+        <a:p>
+          <a:r>
+            <a:rPr lang="de-DE" dirty="0">
+              <a:solidFill>
+                <a:schemeClr val="tx1"/>
+              </a:solidFill>
+            </a:rPr>
+            <a:t>Projekte mit geheimen Daten und mehreren Endsystemen</a:t>
+          </a:r>
+        </a:p>
+      </dgm:t>
+    </dgm:pt>
+    <dgm:pt modelId="{3F821704-758F-4048-B99D-5B7A9C6D77A5}" type="parTrans" cxnId="{DDABD0A4-2E9F-4822-BE52-55342A24CF6A}">
+      <dgm:prSet/>
+      <dgm:spPr/>
+    </dgm:pt>
+    <dgm:pt modelId="{1BDC95D8-7B9E-4982-982C-9B5C13A75CF5}" type="sibTrans" cxnId="{DDABD0A4-2E9F-4822-BE52-55342A24CF6A}">
+      <dgm:prSet/>
+      <dgm:spPr/>
+    </dgm:pt>
+    <dgm:pt modelId="{4D0D1543-49AB-403F-8A8A-5DD1B69652C7}">
+      <dgm:prSet/>
+      <dgm:spPr/>
+      <dgm:t>
+        <a:bodyPr/>
+        <a:lstStyle/>
+        <a:p>
+          <a:r>
+            <a:rPr lang="de-DE" dirty="0">
+              <a:solidFill>
+                <a:schemeClr val="tx1"/>
+              </a:solidFill>
+            </a:rPr>
+            <a:t>Größere Projekte mit geheimen Daten und mehreren Endsystemen</a:t>
+          </a:r>
+        </a:p>
+      </dgm:t>
+    </dgm:pt>
+    <dgm:pt modelId="{91427055-A33E-4A31-9873-96E1C00CEFA3}" type="parTrans" cxnId="{4D5F265A-6E66-4791-934B-ADF94143232C}">
+      <dgm:prSet/>
+      <dgm:spPr/>
+    </dgm:pt>
+    <dgm:pt modelId="{81163EDE-1709-4F6C-BC93-EC2B14A2B388}" type="sibTrans" cxnId="{4D5F265A-6E66-4791-934B-ADF94143232C}">
+      <dgm:prSet/>
+      <dgm:spPr/>
+    </dgm:pt>
+    <dgm:pt modelId="{D324F8C9-1830-4B0C-8DB5-5362B8742843}">
+      <dgm:prSet/>
+      <dgm:spPr/>
+      <dgm:t>
+        <a:bodyPr/>
+        <a:lstStyle/>
+        <a:p>
+          <a:r>
+            <a:rPr lang="de-DE" dirty="0">
               <a:solidFill>
                 <a:srgbClr val="C00000"/>
               </a:solidFill>
@@ -7746,35 +7854,23 @@
           </a:r>
           <a:endParaRPr lang="de-DE" dirty="0">
             <a:solidFill>
-              <a:srgbClr val="C00000"/>
+              <a:schemeClr val="accent6">
+                <a:lumMod val="75000"/>
+              </a:schemeClr>
             </a:solidFill>
           </a:endParaRPr>
         </a:p>
       </dgm:t>
     </dgm:pt>
-    <dgm:pt modelId="{2DE6D224-B1CD-4317-979D-53134FB31081}" type="parTrans" cxnId="{08F94A35-7452-40BE-9252-38001B5F0266}">
+    <dgm:pt modelId="{618D4455-BD4C-4F2A-9102-B871C28AAA04}" type="parTrans" cxnId="{2BF194E2-AACF-4939-B5A1-6241114844D4}">
       <dgm:prSet/>
       <dgm:spPr/>
-      <dgm:t>
-        <a:bodyPr/>
-        <a:lstStyle/>
-        <a:p>
-          <a:endParaRPr lang="de-DE"/>
-        </a:p>
-      </dgm:t>
     </dgm:pt>
-    <dgm:pt modelId="{379648FE-2234-4F4C-B5B2-CD12BED0F8CB}" type="sibTrans" cxnId="{08F94A35-7452-40BE-9252-38001B5F0266}">
+    <dgm:pt modelId="{0A19D988-4134-4ABA-AB01-E4B9485D69FC}" type="sibTrans" cxnId="{2BF194E2-AACF-4939-B5A1-6241114844D4}">
       <dgm:prSet/>
       <dgm:spPr/>
-      <dgm:t>
-        <a:bodyPr/>
-        <a:lstStyle/>
-        <a:p>
-          <a:endParaRPr lang="de-DE"/>
-        </a:p>
-      </dgm:t>
     </dgm:pt>
-    <dgm:pt modelId="{2386CA1A-1E40-4BE5-90E6-715C9F6AE79A}">
+    <dgm:pt modelId="{B0CE4823-19FE-4655-BFA3-726B0986F097}">
       <dgm:prSet/>
       <dgm:spPr/>
       <dgm:t>
@@ -7792,7 +7888,7 @@
         </a:p>
       </dgm:t>
     </dgm:pt>
-    <dgm:pt modelId="{C2B3F4D0-B57E-4224-924A-A57C5C9C2DDD}" type="parTrans" cxnId="{AA19C2C5-7D44-49C3-8510-8BF556DEF5BB}">
+    <dgm:pt modelId="{A0AF5726-F98A-4593-8110-587D3EAFF9ED}" type="parTrans" cxnId="{F11DE33A-CEF6-43A8-8163-2DCEC07CA034}">
       <dgm:prSet/>
       <dgm:spPr/>
       <dgm:t>
@@ -7803,7 +7899,7 @@
         </a:p>
       </dgm:t>
     </dgm:pt>
-    <dgm:pt modelId="{981D9D8D-605B-4743-94DE-F39D9C50F06B}" type="sibTrans" cxnId="{AA19C2C5-7D44-49C3-8510-8BF556DEF5BB}">
+    <dgm:pt modelId="{7F939299-4391-41A2-A0A0-426626A3550E}" type="sibTrans" cxnId="{F11DE33A-CEF6-43A8-8163-2DCEC07CA034}">
       <dgm:prSet/>
       <dgm:spPr/>
       <dgm:t>
@@ -7895,50 +7991,58 @@
   <dgm:cxnLst>
     <dgm:cxn modelId="{5FCD8101-3CA9-4239-86D4-B8BA26200A7F}" srcId="{B7FBBD61-06F9-47B0-B6CC-4D6385494F36}" destId="{0D22E550-14EB-4C0C-8887-1AE153271E33}" srcOrd="2" destOrd="0" parTransId="{1E02AEE2-5EE8-452A-A1CF-C84281822347}" sibTransId="{530A7D8D-8099-4C08-BF8B-53E512194CEA}"/>
     <dgm:cxn modelId="{CF9ADB07-9BE2-4FCA-B48A-9AB0B2843B3A}" srcId="{B7FBBD61-06F9-47B0-B6CC-4D6385494F36}" destId="{D0CDE546-772A-4605-8757-76EBDD0EAFA5}" srcOrd="1" destOrd="0" parTransId="{5402D70A-A223-4D18-9321-BC2DC8F5DF05}" sibTransId="{9267322D-1DA8-40DB-8C88-79055E1032E2}"/>
-    <dgm:cxn modelId="{7595FF0C-B7FF-4A5A-9125-02647BD0E07C}" type="presOf" srcId="{957098CD-1EC2-4D38-921D-58AD730143F3}" destId="{ECDCD8D3-5A36-4DC2-9160-9859977A8626}" srcOrd="0" destOrd="1" presId="urn:microsoft.com/office/officeart/2005/8/layout/vList2"/>
+    <dgm:cxn modelId="{7595FF0C-B7FF-4A5A-9125-02647BD0E07C}" type="presOf" srcId="{957098CD-1EC2-4D38-921D-58AD730143F3}" destId="{ECDCD8D3-5A36-4DC2-9160-9859977A8626}" srcOrd="0" destOrd="3" presId="urn:microsoft.com/office/officeart/2005/8/layout/vList2"/>
     <dgm:cxn modelId="{F1D7280E-F9C7-4F36-9C6A-FCDF7AF5E0E3}" type="presOf" srcId="{92A496CA-1775-4EB9-93EF-854F979D9433}" destId="{174DD749-EB80-40D3-B196-AC133C92D8AF}" srcOrd="0" destOrd="0" presId="urn:microsoft.com/office/officeart/2005/8/layout/vList2"/>
     <dgm:cxn modelId="{7C6A2A26-27C5-47E4-8AC7-B10CEDFBAD6E}" type="presOf" srcId="{73BB7118-3EB8-4534-9972-88522258C987}" destId="{78FE0AAD-7A1F-4C47-976C-1A55B39D3E36}" srcOrd="0" destOrd="0" presId="urn:microsoft.com/office/officeart/2005/8/layout/vList2"/>
     <dgm:cxn modelId="{3C57B12A-F7A1-4EDE-8C88-9E11C66D31C9}" type="presOf" srcId="{0D22E550-14EB-4C0C-8887-1AE153271E33}" destId="{27FA134F-0341-4372-8413-200FC58C00B7}" srcOrd="0" destOrd="2" presId="urn:microsoft.com/office/officeart/2005/8/layout/vList2"/>
     <dgm:cxn modelId="{BA2A5C2B-9123-49DC-BC04-2A26C0759442}" type="presOf" srcId="{BEDF226A-FE51-4357-94BD-CAE5D7917BB7}" destId="{174DD749-EB80-40D3-B196-AC133C92D8AF}" srcOrd="0" destOrd="1" presId="urn:microsoft.com/office/officeart/2005/8/layout/vList2"/>
     <dgm:cxn modelId="{3B99962C-F087-4D16-92F8-07883D9E1C90}" type="presOf" srcId="{49789264-C6DE-43AD-A1DD-C23CA058284F}" destId="{C0F7555B-244A-48E0-BE1B-0F95215EF107}" srcOrd="0" destOrd="0" presId="urn:microsoft.com/office/officeart/2005/8/layout/vList2"/>
     <dgm:cxn modelId="{0FA1222D-737E-4C49-B577-598025E65945}" srcId="{FD9E6F4D-E492-436A-A7D8-1BBC89FBE77C}" destId="{6B9759F2-376D-4846-9BF0-BBF0E70A5FE3}" srcOrd="2" destOrd="0" parTransId="{876B1088-7DCD-483E-BAFF-E87F48C216F9}" sibTransId="{BE1C071B-1A20-4D99-9BAB-C2FBF1DD1269}"/>
+    <dgm:cxn modelId="{69ED992F-08DF-47A0-B0B3-C433705F894B}" srcId="{FD9E6F4D-E492-436A-A7D8-1BBC89FBE77C}" destId="{28C66B3C-38EE-46B3-A75F-000D46B2448D}" srcOrd="5" destOrd="0" parTransId="{CEBD211D-7981-4B1C-A08C-64F7E503A69F}" sibTransId="{B4177EAB-1DF6-46D6-9C18-3885FE671BF2}"/>
     <dgm:cxn modelId="{6D8CC430-5C31-416C-9961-DE89CD15CAE1}" srcId="{49789264-C6DE-43AD-A1DD-C23CA058284F}" destId="{6F3ADF03-A26B-46C6-B332-BCE1422672C8}" srcOrd="3" destOrd="0" parTransId="{E9C7D7DC-5815-42B4-86EC-55479E724392}" sibTransId="{024364D5-8A49-4356-928B-707089C4DE60}"/>
-    <dgm:cxn modelId="{08F94A35-7452-40BE-9252-38001B5F0266}" srcId="{6F3ADF03-A26B-46C6-B332-BCE1422672C8}" destId="{BC578B3C-FE4D-474D-8B21-DE03CEA05876}" srcOrd="4" destOrd="0" parTransId="{2DE6D224-B1CD-4317-979D-53134FB31081}" sibTransId="{379648FE-2234-4F4C-B5B2-CD12BED0F8CB}"/>
     <dgm:cxn modelId="{5D305935-1060-48FE-A760-E17F87B48136}" type="presOf" srcId="{759CD555-D7FA-4C6F-BF9B-B75D94F205C6}" destId="{174DD749-EB80-40D3-B196-AC133C92D8AF}" srcOrd="0" destOrd="3" presId="urn:microsoft.com/office/officeart/2005/8/layout/vList2"/>
     <dgm:cxn modelId="{A6040538-B2D8-4603-A347-BE13A407A965}" type="presOf" srcId="{C9C66366-A8C5-435C-AD38-4F1D15B5354A}" destId="{174DD749-EB80-40D3-B196-AC133C92D8AF}" srcOrd="0" destOrd="4" presId="urn:microsoft.com/office/officeart/2005/8/layout/vList2"/>
+    <dgm:cxn modelId="{F11DE33A-CEF6-43A8-8163-2DCEC07CA034}" srcId="{6F3ADF03-A26B-46C6-B332-BCE1422672C8}" destId="{B0CE4823-19FE-4655-BFA3-726B0986F097}" srcOrd="2" destOrd="0" parTransId="{A0AF5726-F98A-4593-8110-587D3EAFF9ED}" sibTransId="{7F939299-4391-41A2-A0A0-426626A3550E}"/>
     <dgm:cxn modelId="{A33DAE3F-B591-4BD6-B36B-E2324D920743}" type="presOf" srcId="{2E7DD610-1D3D-4D0E-B4D1-3E9A6A8CF86E}" destId="{ECDCD8D3-5A36-4DC2-9160-9859977A8626}" srcOrd="0" destOrd="0" presId="urn:microsoft.com/office/officeart/2005/8/layout/vList2"/>
     <dgm:cxn modelId="{68B3715C-4575-4DA2-A3B0-14C1E9B91A79}" srcId="{B7FBBD61-06F9-47B0-B6CC-4D6385494F36}" destId="{AFFEFD94-0E49-4B74-980D-9F6182849CEC}" srcOrd="0" destOrd="0" parTransId="{E7CBA274-2C9E-40D3-8CEB-C434934E4EFF}" sibTransId="{20339D26-1488-4263-89B8-56901A3DBE15}"/>
     <dgm:cxn modelId="{8DFFC25C-8F6F-4051-9F5B-A3E83B05DD8B}" type="presOf" srcId="{AFFEFD94-0E49-4B74-980D-9F6182849CEC}" destId="{27FA134F-0341-4372-8413-200FC58C00B7}" srcOrd="0" destOrd="0" presId="urn:microsoft.com/office/officeart/2005/8/layout/vList2"/>
     <dgm:cxn modelId="{C44F5360-2826-41D5-AB7B-86A781F002B2}" type="presOf" srcId="{6308E52E-9F7E-4439-87CF-64E162F675C8}" destId="{27FA134F-0341-4372-8413-200FC58C00B7}" srcOrd="0" destOrd="3" presId="urn:microsoft.com/office/officeart/2005/8/layout/vList2"/>
-    <dgm:cxn modelId="{3D29A04B-F4E1-45D2-A5DD-D7CC8D20D9E8}" srcId="{6F3ADF03-A26B-46C6-B332-BCE1422672C8}" destId="{957098CD-1EC2-4D38-921D-58AD730143F3}" srcOrd="1" destOrd="0" parTransId="{D1F4A77D-8571-4C74-991A-9BB938387E1D}" sibTransId="{D094C5E1-7381-41A5-B020-A59C25012B17}"/>
+    <dgm:cxn modelId="{CA518343-11C9-4796-A003-ACE061CCA4B4}" srcId="{B7FBBD61-06F9-47B0-B6CC-4D6385494F36}" destId="{21E40824-29B9-4D68-954C-7499E5791B72}" srcOrd="5" destOrd="0" parTransId="{85355F31-F00D-4FCF-9508-5E1B2EC60D4F}" sibTransId="{C1BFABF4-17E4-474B-883F-9EAE79ECF64D}"/>
+    <dgm:cxn modelId="{CB513C48-234D-46EB-BE14-49FBBA12014E}" type="presOf" srcId="{21E40824-29B9-4D68-954C-7499E5791B72}" destId="{27FA134F-0341-4372-8413-200FC58C00B7}" srcOrd="0" destOrd="5" presId="urn:microsoft.com/office/officeart/2005/8/layout/vList2"/>
+    <dgm:cxn modelId="{ADF3116B-B6DA-4034-AC95-15F0C9678A66}" type="presOf" srcId="{28C66B3C-38EE-46B3-A75F-000D46B2448D}" destId="{174DD749-EB80-40D3-B196-AC133C92D8AF}" srcOrd="0" destOrd="5" presId="urn:microsoft.com/office/officeart/2005/8/layout/vList2"/>
+    <dgm:cxn modelId="{3D29A04B-F4E1-45D2-A5DD-D7CC8D20D9E8}" srcId="{6F3ADF03-A26B-46C6-B332-BCE1422672C8}" destId="{957098CD-1EC2-4D38-921D-58AD730143F3}" srcOrd="3" destOrd="0" parTransId="{D1F4A77D-8571-4C74-991A-9BB938387E1D}" sibTransId="{D094C5E1-7381-41A5-B020-A59C25012B17}"/>
     <dgm:cxn modelId="{E349EA4B-5A3F-4A53-9CE0-852DB2877D91}" type="presOf" srcId="{98821AEB-83B2-4FD4-AA05-4BAC7590DB79}" destId="{942DFC3B-A0EE-45CD-8E76-5DBA9B2BF46B}" srcOrd="0" destOrd="3" presId="urn:microsoft.com/office/officeart/2005/8/layout/vList2"/>
     <dgm:cxn modelId="{0C57196C-2814-4918-B0EC-A048B7AD8F77}" srcId="{FD9E6F4D-E492-436A-A7D8-1BBC89FBE77C}" destId="{92A496CA-1775-4EB9-93EF-854F979D9433}" srcOrd="0" destOrd="0" parTransId="{76E84054-301B-4E46-A111-E9D357D31192}" sibTransId="{7DDD3EAA-6EA8-44A7-81AD-02EA4F8102C7}"/>
+    <dgm:cxn modelId="{399F7D6C-6B3D-4101-81CC-01601D2F9AE4}" type="presOf" srcId="{6AE520CF-A4D9-44BB-A994-6C265B1CC112}" destId="{942DFC3B-A0EE-45CD-8E76-5DBA9B2BF46B}" srcOrd="0" destOrd="4" presId="urn:microsoft.com/office/officeart/2005/8/layout/vList2"/>
     <dgm:cxn modelId="{8A9B316D-8AF2-4A47-A4B8-778FE25BC53C}" srcId="{73BB7118-3EB8-4534-9972-88522258C987}" destId="{98821AEB-83B2-4FD4-AA05-4BAC7590DB79}" srcOrd="3" destOrd="0" parTransId="{CC67C1E3-8DF3-49E0-95C3-7A1BB723040A}" sibTransId="{EF55CFC6-BE9D-4037-B643-5A95ABB3B66B}"/>
     <dgm:cxn modelId="{0E919679-6366-41E1-8F97-22F69BFFA7C5}" type="presOf" srcId="{B7FBBD61-06F9-47B0-B6CC-4D6385494F36}" destId="{5DE82B34-F216-4121-903B-8351569A9E1A}" srcOrd="0" destOrd="0" presId="urn:microsoft.com/office/officeart/2005/8/layout/vList2"/>
+    <dgm:cxn modelId="{4D5F265A-6E66-4791-934B-ADF94143232C}" srcId="{6F3ADF03-A26B-46C6-B332-BCE1422672C8}" destId="{4D0D1543-49AB-403F-8A8A-5DD1B69652C7}" srcOrd="6" destOrd="0" parTransId="{91427055-A33E-4A31-9873-96E1C00CEFA3}" sibTransId="{81163EDE-1709-4F6C-BC93-EC2B14A2B388}"/>
+    <dgm:cxn modelId="{C8E86280-C3E3-447B-ADFE-597DFE1F9ED9}" type="presOf" srcId="{B0CE4823-19FE-4655-BFA3-726B0986F097}" destId="{ECDCD8D3-5A36-4DC2-9160-9859977A8626}" srcOrd="0" destOrd="2" presId="urn:microsoft.com/office/officeart/2005/8/layout/vList2"/>
     <dgm:cxn modelId="{4D38D083-B72B-4C32-8FB2-0CF81172D9AE}" type="presOf" srcId="{6B9759F2-376D-4846-9BF0-BBF0E70A5FE3}" destId="{174DD749-EB80-40D3-B196-AC133C92D8AF}" srcOrd="0" destOrd="2" presId="urn:microsoft.com/office/officeart/2005/8/layout/vList2"/>
-    <dgm:cxn modelId="{47FBB189-BC64-451E-8306-C9510927811C}" srcId="{6F3ADF03-A26B-46C6-B332-BCE1422672C8}" destId="{341A42F3-984C-45FE-9206-A47E1623BB22}" srcOrd="3" destOrd="0" parTransId="{1040C3CC-1275-4C71-965E-ED7D32ED3F7D}" sibTransId="{FCC589B7-C386-4063-B009-CFE575C600C8}"/>
+    <dgm:cxn modelId="{47FBB189-BC64-451E-8306-C9510927811C}" srcId="{6F3ADF03-A26B-46C6-B332-BCE1422672C8}" destId="{341A42F3-984C-45FE-9206-A47E1623BB22}" srcOrd="5" destOrd="0" parTransId="{1040C3CC-1275-4C71-965E-ED7D32ED3F7D}" sibTransId="{FCC589B7-C386-4063-B009-CFE575C600C8}"/>
     <dgm:cxn modelId="{B2305A8E-DB20-4A39-B93F-C7803283036F}" type="presOf" srcId="{D0CDE546-772A-4605-8757-76EBDD0EAFA5}" destId="{27FA134F-0341-4372-8413-200FC58C00B7}" srcOrd="0" destOrd="1" presId="urn:microsoft.com/office/officeart/2005/8/layout/vList2"/>
     <dgm:cxn modelId="{5D0D2093-98FA-49DA-A7A4-2BF885D104A1}" srcId="{73BB7118-3EB8-4534-9972-88522258C987}" destId="{2D7F5D5C-B5D9-4775-B4A2-EFC8076E0244}" srcOrd="2" destOrd="0" parTransId="{EB94E44A-284F-448E-8AAB-95FA61AA657F}" sibTransId="{6E408D5E-D8F9-47E6-A70D-5A6C8A70441B}"/>
     <dgm:cxn modelId="{3EBBD39D-A104-4575-A051-875C4F621CB3}" srcId="{49789264-C6DE-43AD-A1DD-C23CA058284F}" destId="{B7FBBD61-06F9-47B0-B6CC-4D6385494F36}" srcOrd="0" destOrd="0" parTransId="{62CC6CAE-FA14-4282-AFC6-DB337BA7C18B}" sibTransId="{9D1C09CE-868C-4353-9006-66ED33C19560}"/>
     <dgm:cxn modelId="{66B072A1-3F75-40DA-90A6-CC2D21E08F6B}" srcId="{49789264-C6DE-43AD-A1DD-C23CA058284F}" destId="{FD9E6F4D-E492-436A-A7D8-1BBC89FBE77C}" srcOrd="1" destOrd="0" parTransId="{EED5B2B5-AAC0-42A1-AC44-ECA72FC96E5D}" sibTransId="{40247D8B-C459-4F42-9CD2-59570A2ADF16}"/>
+    <dgm:cxn modelId="{DDABD0A4-2E9F-4822-BE52-55342A24CF6A}" srcId="{73BB7118-3EB8-4534-9972-88522258C987}" destId="{6AE520CF-A4D9-44BB-A994-6C265B1CC112}" srcOrd="4" destOrd="0" parTransId="{3F821704-758F-4048-B99D-5B7A9C6D77A5}" sibTransId="{1BDC95D8-7B9E-4982-982C-9B5C13A75CF5}"/>
     <dgm:cxn modelId="{5D3A40A5-3C89-4C3E-A52A-0988DE5FE37B}" type="presOf" srcId="{A14AD4C5-9A7D-434E-81FA-14872A84A065}" destId="{942DFC3B-A0EE-45CD-8E76-5DBA9B2BF46B}" srcOrd="0" destOrd="0" presId="urn:microsoft.com/office/officeart/2005/8/layout/vList2"/>
+    <dgm:cxn modelId="{12F8D8A6-3AFA-4016-BA3F-E01F3FA48EC8}" type="presOf" srcId="{D324F8C9-1830-4B0C-8DB5-5362B8742843}" destId="{ECDCD8D3-5A36-4DC2-9160-9859977A8626}" srcOrd="0" destOrd="1" presId="urn:microsoft.com/office/officeart/2005/8/layout/vList2"/>
     <dgm:cxn modelId="{2B39A3AB-DD36-4871-9205-0C2E42B6A26B}" srcId="{B7FBBD61-06F9-47B0-B6CC-4D6385494F36}" destId="{6308E52E-9F7E-4439-87CF-64E162F675C8}" srcOrd="3" destOrd="0" parTransId="{B00299D1-0611-4AE3-A6CF-0E473EFBAC23}" sibTransId="{FA046EED-A261-4385-8448-866A58FE02E1}"/>
     <dgm:cxn modelId="{A0C6A8B6-010F-47E3-8832-CFCEEEBFF427}" type="presOf" srcId="{6F3ADF03-A26B-46C6-B332-BCE1422672C8}" destId="{ECA0BBE4-96E3-4556-BA32-49327D19609E}" srcOrd="0" destOrd="0" presId="urn:microsoft.com/office/officeart/2005/8/layout/vList2"/>
     <dgm:cxn modelId="{7788B8B8-A02A-4B34-ADF1-379350C99A8E}" type="presOf" srcId="{2D7F5D5C-B5D9-4775-B4A2-EFC8076E0244}" destId="{942DFC3B-A0EE-45CD-8E76-5DBA9B2BF46B}" srcOrd="0" destOrd="2" presId="urn:microsoft.com/office/officeart/2005/8/layout/vList2"/>
-    <dgm:cxn modelId="{F5A381BE-37DB-4A56-A8B1-C6CB56C2D2FF}" type="presOf" srcId="{BC578B3C-FE4D-474D-8B21-DE03CEA05876}" destId="{ECDCD8D3-5A36-4DC2-9160-9859977A8626}" srcOrd="0" destOrd="4" presId="urn:microsoft.com/office/officeart/2005/8/layout/vList2"/>
     <dgm:cxn modelId="{537D17C1-B44F-4446-8FEB-7C3E3B3DEB7D}" srcId="{49789264-C6DE-43AD-A1DD-C23CA058284F}" destId="{73BB7118-3EB8-4534-9972-88522258C987}" srcOrd="2" destOrd="0" parTransId="{E6FEA43C-F80A-4C76-9E29-D9607F24F16A}" sibTransId="{29D6D4AF-69F4-4EBE-829D-FE6532B49EA1}"/>
+    <dgm:cxn modelId="{177560C1-E84B-4815-B375-85432E3F18A8}" type="presOf" srcId="{4D0D1543-49AB-403F-8A8A-5DD1B69652C7}" destId="{ECDCD8D3-5A36-4DC2-9160-9859977A8626}" srcOrd="0" destOrd="6" presId="urn:microsoft.com/office/officeart/2005/8/layout/vList2"/>
     <dgm:cxn modelId="{BF84D1C3-6D4E-4008-ADB1-43DD1C4B78F2}" srcId="{73BB7118-3EB8-4534-9972-88522258C987}" destId="{A14AD4C5-9A7D-434E-81FA-14872A84A065}" srcOrd="0" destOrd="0" parTransId="{2B089E98-8C91-45B1-AD24-7254B58E16A0}" sibTransId="{ACCC9D5B-C9A8-4D32-BEB1-15039A9C7E4B}"/>
     <dgm:cxn modelId="{75C6A4C5-A1A6-4DA2-82C6-D29C81362519}" srcId="{FD9E6F4D-E492-436A-A7D8-1BBC89FBE77C}" destId="{BEDF226A-FE51-4357-94BD-CAE5D7917BB7}" srcOrd="1" destOrd="0" parTransId="{8BA9D16A-4287-4457-9B7F-3027832726BB}" sibTransId="{729ED663-A9BB-4E88-9050-20A51F1D49D5}"/>
-    <dgm:cxn modelId="{AA19C2C5-7D44-49C3-8510-8BF556DEF5BB}" srcId="{6F3ADF03-A26B-46C6-B332-BCE1422672C8}" destId="{2386CA1A-1E40-4BE5-90E6-715C9F6AE79A}" srcOrd="5" destOrd="0" parTransId="{C2B3F4D0-B57E-4224-924A-A57C5C9C2DDD}" sibTransId="{981D9D8D-605B-4743-94DE-F39D9C50F06B}"/>
     <dgm:cxn modelId="{0979E6CC-4DD9-42E0-BD28-C24AFC2AAD01}" srcId="{FD9E6F4D-E492-436A-A7D8-1BBC89FBE77C}" destId="{C9C66366-A8C5-435C-AD38-4F1D15B5354A}" srcOrd="4" destOrd="0" parTransId="{50B597E5-7195-476D-AA26-734F9BB04D46}" sibTransId="{834584C5-6F58-4D7F-9E51-06F5A9C52230}"/>
-    <dgm:cxn modelId="{20DFABD9-E52D-41B2-8255-7F94DA322FFC}" type="presOf" srcId="{63A37A47-A5C0-4DAC-B14E-220D1E2B354A}" destId="{ECDCD8D3-5A36-4DC2-9160-9859977A8626}" srcOrd="0" destOrd="2" presId="urn:microsoft.com/office/officeart/2005/8/layout/vList2"/>
-    <dgm:cxn modelId="{8A794ADC-1468-4F0D-BA1F-617D929D41D3}" type="presOf" srcId="{341A42F3-984C-45FE-9206-A47E1623BB22}" destId="{ECDCD8D3-5A36-4DC2-9160-9859977A8626}" srcOrd="0" destOrd="3" presId="urn:microsoft.com/office/officeart/2005/8/layout/vList2"/>
+    <dgm:cxn modelId="{20DFABD9-E52D-41B2-8255-7F94DA322FFC}" type="presOf" srcId="{63A37A47-A5C0-4DAC-B14E-220D1E2B354A}" destId="{ECDCD8D3-5A36-4DC2-9160-9859977A8626}" srcOrd="0" destOrd="4" presId="urn:microsoft.com/office/officeart/2005/8/layout/vList2"/>
+    <dgm:cxn modelId="{8A794ADC-1468-4F0D-BA1F-617D929D41D3}" type="presOf" srcId="{341A42F3-984C-45FE-9206-A47E1623BB22}" destId="{ECDCD8D3-5A36-4DC2-9160-9859977A8626}" srcOrd="0" destOrd="5" presId="urn:microsoft.com/office/officeart/2005/8/layout/vList2"/>
+    <dgm:cxn modelId="{2BF194E2-AACF-4939-B5A1-6241114844D4}" srcId="{6F3ADF03-A26B-46C6-B332-BCE1422672C8}" destId="{D324F8C9-1830-4B0C-8DB5-5362B8742843}" srcOrd="1" destOrd="0" parTransId="{618D4455-BD4C-4F2A-9102-B871C28AAA04}" sibTransId="{0A19D988-4134-4ABA-AB01-E4B9485D69FC}"/>
     <dgm:cxn modelId="{E74559E4-CCDA-45D1-A787-DE6D4BB2153E}" type="presOf" srcId="{029E0FC7-7DAC-445F-85F7-F5BBCB42AA89}" destId="{942DFC3B-A0EE-45CD-8E76-5DBA9B2BF46B}" srcOrd="0" destOrd="1" presId="urn:microsoft.com/office/officeart/2005/8/layout/vList2"/>
-    <dgm:cxn modelId="{835D53E5-BCA0-45DC-9B6E-C7A8184FC1A4}" srcId="{6F3ADF03-A26B-46C6-B332-BCE1422672C8}" destId="{63A37A47-A5C0-4DAC-B14E-220D1E2B354A}" srcOrd="2" destOrd="0" parTransId="{BE9F884C-2433-4F08-BEAA-C496795D97FE}" sibTransId="{066A6578-B0CB-415C-AC14-7679023F58C8}"/>
+    <dgm:cxn modelId="{835D53E5-BCA0-45DC-9B6E-C7A8184FC1A4}" srcId="{6F3ADF03-A26B-46C6-B332-BCE1422672C8}" destId="{63A37A47-A5C0-4DAC-B14E-220D1E2B354A}" srcOrd="4" destOrd="0" parTransId="{BE9F884C-2433-4F08-BEAA-C496795D97FE}" sibTransId="{066A6578-B0CB-415C-AC14-7679023F58C8}"/>
     <dgm:cxn modelId="{560258EC-CFD6-47A2-BFCE-57A845162A55}" srcId="{B7FBBD61-06F9-47B0-B6CC-4D6385494F36}" destId="{F4FD5907-2BCE-4E46-8CD6-94CD936F8438}" srcOrd="4" destOrd="0" parTransId="{84120D08-2A95-48FB-BBCE-DD185EC248F4}" sibTransId="{2E82AC25-6638-4170-963E-0BCB319F8940}"/>
     <dgm:cxn modelId="{A947EBED-FAA9-480C-8C9D-55198F0EBB8F}" srcId="{6F3ADF03-A26B-46C6-B332-BCE1422672C8}" destId="{2E7DD610-1D3D-4D0E-B4D1-3E9A6A8CF86E}" srcOrd="0" destOrd="0" parTransId="{25D0068A-41D9-4DBE-80B6-66FD327D921D}" sibTransId="{E2184D7E-3E72-4B16-B85B-625EE4ED0F7A}"/>
     <dgm:cxn modelId="{314757F4-4830-4A3E-9AEA-81FB9DCB56ED}" type="presOf" srcId="{F4FD5907-2BCE-4E46-8CD6-94CD936F8438}" destId="{27FA134F-0341-4372-8413-200FC58C00B7}" srcOrd="0" destOrd="4" presId="urn:microsoft.com/office/officeart/2005/8/layout/vList2"/>
-    <dgm:cxn modelId="{48D399F8-00DF-4B60-B7D6-82B21ABB76C9}" type="presOf" srcId="{2386CA1A-1E40-4BE5-90E6-715C9F6AE79A}" destId="{ECDCD8D3-5A36-4DC2-9160-9859977A8626}" srcOrd="0" destOrd="5" presId="urn:microsoft.com/office/officeart/2005/8/layout/vList2"/>
     <dgm:cxn modelId="{05014AFB-A93E-4D91-A51F-EC123B552CDC}" srcId="{FD9E6F4D-E492-436A-A7D8-1BBC89FBE77C}" destId="{759CD555-D7FA-4C6F-BF9B-B75D94F205C6}" srcOrd="3" destOrd="0" parTransId="{6E81170D-F9FC-4CDC-A43C-07B26C1B10BE}" sibTransId="{1DEECEEA-8AC2-48BD-BC46-A96E32B9809F}"/>
     <dgm:cxn modelId="{8795EBFD-2CE2-44FD-A2F4-3A187AA94ADC}" type="presOf" srcId="{FD9E6F4D-E492-436A-A7D8-1BBC89FBE77C}" destId="{E9C3B47D-111C-4C78-AC51-10EA54349F6F}" srcOrd="0" destOrd="0" presId="urn:microsoft.com/office/officeart/2005/8/layout/vList2"/>
     <dgm:cxn modelId="{863D2BFE-56D5-45D5-B64A-290F33468EB5}" srcId="{73BB7118-3EB8-4534-9972-88522258C987}" destId="{029E0FC7-7DAC-445F-85F7-F5BBCB42AA89}" srcOrd="1" destOrd="0" parTransId="{2ECAB870-F683-4A10-840A-E8284BAA2649}" sibTransId="{CCECD958-D7D7-4103-A265-AD3CE587BB3B}"/>
@@ -9117,8 +9221,8 @@
       </dsp:nvSpPr>
       <dsp:spPr>
         <a:xfrm>
-          <a:off x="0" y="63152"/>
-          <a:ext cx="6555347" cy="417690"/>
+          <a:off x="0" y="10839"/>
+          <a:ext cx="6555347" cy="368549"/>
         </a:xfrm>
         <a:prstGeom prst="roundRect">
           <a:avLst/>
@@ -9160,12 +9264,12 @@
         </a:fontRef>
       </dsp:style>
       <dsp:txBody>
-        <a:bodyPr spcFirstLastPara="0" vert="horz" wrap="square" lIns="64770" tIns="64770" rIns="64770" bIns="64770" numCol="1" spcCol="1270" anchor="ctr" anchorCtr="0">
+        <a:bodyPr spcFirstLastPara="0" vert="horz" wrap="square" lIns="57150" tIns="57150" rIns="57150" bIns="57150" numCol="1" spcCol="1270" anchor="ctr" anchorCtr="0">
           <a:noAutofit/>
         </a:bodyPr>
         <a:lstStyle/>
         <a:p>
-          <a:pPr marL="0" lvl="0" indent="0" algn="l" defTabSz="755650">
+          <a:pPr marL="0" lvl="0" indent="0" algn="l" defTabSz="666750">
             <a:lnSpc>
               <a:spcPct val="90000"/>
             </a:lnSpc>
@@ -9178,15 +9282,15 @@
             <a:buNone/>
           </a:pPr>
           <a:r>
-            <a:rPr lang="de-DE" sz="1700" kern="1200"/>
+            <a:rPr lang="de-DE" sz="1500" kern="1200"/>
             <a:t>VCS</a:t>
           </a:r>
-          <a:endParaRPr lang="en-US" sz="1700" kern="1200"/>
+          <a:endParaRPr lang="en-US" sz="1500" kern="1200"/>
         </a:p>
       </dsp:txBody>
       <dsp:txXfrm>
-        <a:off x="20390" y="83542"/>
-        <a:ext cx="6514567" cy="376910"/>
+        <a:off x="17991" y="28830"/>
+        <a:ext cx="6519365" cy="332567"/>
       </dsp:txXfrm>
     </dsp:sp>
     <dsp:sp modelId="{27FA134F-0341-4372-8413-200FC58C00B7}">
@@ -9196,8 +9300,8 @@
       </dsp:nvSpPr>
       <dsp:spPr>
         <a:xfrm>
-          <a:off x="0" y="480842"/>
-          <a:ext cx="6555347" cy="1126080"/>
+          <a:off x="0" y="379389"/>
+          <a:ext cx="6555347" cy="1242000"/>
         </a:xfrm>
         <a:prstGeom prst="rect">
           <a:avLst/>
@@ -9221,12 +9325,12 @@
         <a:fontRef idx="minor"/>
       </dsp:style>
       <dsp:txBody>
-        <a:bodyPr spcFirstLastPara="0" vert="horz" wrap="square" lIns="208132" tIns="21590" rIns="120904" bIns="21590" numCol="1" spcCol="1270" anchor="t" anchorCtr="0">
+        <a:bodyPr spcFirstLastPara="0" vert="horz" wrap="square" lIns="208132" tIns="19050" rIns="106680" bIns="19050" numCol="1" spcCol="1270" anchor="t" anchorCtr="0">
           <a:noAutofit/>
         </a:bodyPr>
         <a:lstStyle/>
         <a:p>
-          <a:pPr marL="114300" lvl="1" indent="-114300" algn="l" defTabSz="577850">
+          <a:pPr marL="114300" lvl="1" indent="-114300" algn="l" defTabSz="533400">
             <a:lnSpc>
               <a:spcPct val="90000"/>
             </a:lnSpc>
@@ -9239,13 +9343,13 @@
             <a:buChar char="•"/>
           </a:pPr>
           <a:r>
-            <a:rPr lang="de-DE" sz="1300" kern="1200" dirty="0"/>
+            <a:rPr lang="de-DE" sz="1200" kern="1200" dirty="0"/>
             <a:t>Konfigurationen im VCS verwalten (Bsp. GIT)</a:t>
           </a:r>
-          <a:endParaRPr lang="en-US" sz="1300" kern="1200" dirty="0"/>
+          <a:endParaRPr lang="en-US" sz="1200" kern="1200" dirty="0"/>
         </a:p>
         <a:p>
-          <a:pPr marL="114300" lvl="1" indent="-114300" algn="l" defTabSz="577850">
+          <a:pPr marL="114300" lvl="1" indent="-114300" algn="l" defTabSz="533400">
             <a:lnSpc>
               <a:spcPct val="90000"/>
             </a:lnSpc>
@@ -9258,21 +9362,21 @@
             <a:buChar char="•"/>
           </a:pPr>
           <a:r>
-            <a:rPr lang="de-DE" sz="1300" kern="1200">
+            <a:rPr lang="de-DE" sz="1200" kern="1200">
               <a:solidFill>
                 <a:srgbClr val="C00000"/>
               </a:solidFill>
             </a:rPr>
             <a:t>Jeder hat Zugriff</a:t>
           </a:r>
-          <a:endParaRPr lang="de-DE" sz="1300" kern="1200" dirty="0">
+          <a:endParaRPr lang="de-DE" sz="1200" kern="1200" dirty="0">
             <a:solidFill>
               <a:srgbClr val="C00000"/>
             </a:solidFill>
           </a:endParaRPr>
         </a:p>
         <a:p>
-          <a:pPr marL="114300" lvl="1" indent="-114300" algn="l" defTabSz="577850">
+          <a:pPr marL="114300" lvl="1" indent="-114300" algn="l" defTabSz="533400">
             <a:lnSpc>
               <a:spcPct val="90000"/>
             </a:lnSpc>
@@ -9285,21 +9389,21 @@
             <a:buChar char="•"/>
           </a:pPr>
           <a:r>
-            <a:rPr lang="de-DE" sz="1300" kern="1200">
+            <a:rPr lang="de-DE" sz="1200" kern="1200">
               <a:solidFill>
                 <a:srgbClr val="C00000"/>
               </a:solidFill>
             </a:rPr>
             <a:t>Jeder mit Schreibrechten kann die Konfiguration ändern</a:t>
           </a:r>
-          <a:endParaRPr lang="de-DE" sz="1300" kern="1200" dirty="0">
+          <a:endParaRPr lang="de-DE" sz="1200" kern="1200" dirty="0">
             <a:solidFill>
               <a:srgbClr val="C00000"/>
             </a:solidFill>
           </a:endParaRPr>
         </a:p>
         <a:p>
-          <a:pPr marL="114300" lvl="1" indent="-114300" algn="l" defTabSz="577850">
+          <a:pPr marL="114300" lvl="1" indent="-114300" algn="l" defTabSz="533400">
             <a:lnSpc>
               <a:spcPct val="90000"/>
             </a:lnSpc>
@@ -9312,7 +9416,7 @@
             <a:buChar char="•"/>
           </a:pPr>
           <a:r>
-            <a:rPr lang="de-DE" sz="1300" kern="1200">
+            <a:rPr lang="de-DE" sz="1200" kern="1200">
               <a:solidFill>
                 <a:schemeClr val="accent6">
                   <a:lumMod val="75000"/>
@@ -9321,7 +9425,7 @@
             </a:rPr>
             <a:t>Versionskontrolle möglich</a:t>
           </a:r>
-          <a:endParaRPr lang="de-DE" sz="1300" kern="1200" dirty="0">
+          <a:endParaRPr lang="de-DE" sz="1200" kern="1200" dirty="0">
             <a:solidFill>
               <a:schemeClr val="accent6">
                 <a:lumMod val="75000"/>
@@ -9330,7 +9434,7 @@
           </a:endParaRPr>
         </a:p>
         <a:p>
-          <a:pPr marL="114300" lvl="1" indent="-114300" algn="l" defTabSz="577850">
+          <a:pPr marL="114300" lvl="1" indent="-114300" algn="l" defTabSz="533400">
             <a:lnSpc>
               <a:spcPct val="90000"/>
             </a:lnSpc>
@@ -9343,7 +9447,7 @@
             <a:buChar char="•"/>
           </a:pPr>
           <a:r>
-            <a:rPr lang="de-DE" sz="1300" kern="1200" dirty="0">
+            <a:rPr lang="de-DE" sz="1200" kern="1200" dirty="0">
               <a:solidFill>
                 <a:schemeClr val="accent6">
                   <a:lumMod val="75000"/>
@@ -9353,10 +9457,32 @@
             <a:t>Schnelles und einfaches ändern der Konfiguration</a:t>
           </a:r>
         </a:p>
+        <a:p>
+          <a:pPr marL="114300" lvl="1" indent="-114300" algn="l" defTabSz="533400">
+            <a:lnSpc>
+              <a:spcPct val="90000"/>
+            </a:lnSpc>
+            <a:spcBef>
+              <a:spcPct val="0"/>
+            </a:spcBef>
+            <a:spcAft>
+              <a:spcPct val="20000"/>
+            </a:spcAft>
+            <a:buChar char="•"/>
+          </a:pPr>
+          <a:r>
+            <a:rPr lang="de-DE" sz="1200" kern="1200" dirty="0">
+              <a:solidFill>
+                <a:schemeClr val="tx1"/>
+              </a:solidFill>
+            </a:rPr>
+            <a:t>Kleine Projekte ohne geheime Daten (API-Keys)</a:t>
+          </a:r>
+        </a:p>
       </dsp:txBody>
       <dsp:txXfrm>
-        <a:off x="0" y="480842"/>
-        <a:ext cx="6555347" cy="1126080"/>
+        <a:off x="0" y="379389"/>
+        <a:ext cx="6555347" cy="1242000"/>
       </dsp:txXfrm>
     </dsp:sp>
     <dsp:sp modelId="{E9C3B47D-111C-4C78-AC51-10EA54349F6F}">
@@ -9366,8 +9492,8 @@
       </dsp:nvSpPr>
       <dsp:spPr>
         <a:xfrm>
-          <a:off x="0" y="1606922"/>
-          <a:ext cx="6555347" cy="417690"/>
+          <a:off x="0" y="1621389"/>
+          <a:ext cx="6555347" cy="368549"/>
         </a:xfrm>
         <a:prstGeom prst="roundRect">
           <a:avLst/>
@@ -9409,12 +9535,12 @@
         </a:fontRef>
       </dsp:style>
       <dsp:txBody>
-        <a:bodyPr spcFirstLastPara="0" vert="horz" wrap="square" lIns="64770" tIns="64770" rIns="64770" bIns="64770" numCol="1" spcCol="1270" anchor="ctr" anchorCtr="0">
+        <a:bodyPr spcFirstLastPara="0" vert="horz" wrap="square" lIns="57150" tIns="57150" rIns="57150" bIns="57150" numCol="1" spcCol="1270" anchor="ctr" anchorCtr="0">
           <a:noAutofit/>
         </a:bodyPr>
         <a:lstStyle/>
         <a:p>
-          <a:pPr marL="0" lvl="0" indent="0" algn="l" defTabSz="755650">
+          <a:pPr marL="0" lvl="0" indent="0" algn="l" defTabSz="666750">
             <a:lnSpc>
               <a:spcPct val="90000"/>
             </a:lnSpc>
@@ -9427,15 +9553,15 @@
             <a:buNone/>
           </a:pPr>
           <a:r>
-            <a:rPr lang="de-DE" sz="1700" kern="1200"/>
+            <a:rPr lang="de-DE" sz="1500" kern="1200"/>
             <a:t>Auf Endsystem (Server)</a:t>
           </a:r>
-          <a:endParaRPr lang="en-US" sz="1700" kern="1200"/>
+          <a:endParaRPr lang="en-US" sz="1500" kern="1200"/>
         </a:p>
       </dsp:txBody>
       <dsp:txXfrm>
-        <a:off x="20390" y="1627312"/>
-        <a:ext cx="6514567" cy="376910"/>
+        <a:off x="17991" y="1639380"/>
+        <a:ext cx="6519365" cy="332567"/>
       </dsp:txXfrm>
     </dsp:sp>
     <dsp:sp modelId="{174DD749-EB80-40D3-B196-AC133C92D8AF}">
@@ -9445,8 +9571,8 @@
       </dsp:nvSpPr>
       <dsp:spPr>
         <a:xfrm>
-          <a:off x="0" y="2024612"/>
-          <a:ext cx="6555347" cy="1126080"/>
+          <a:off x="0" y="1989939"/>
+          <a:ext cx="6555347" cy="1242000"/>
         </a:xfrm>
         <a:prstGeom prst="rect">
           <a:avLst/>
@@ -9470,12 +9596,12 @@
         <a:fontRef idx="minor"/>
       </dsp:style>
       <dsp:txBody>
-        <a:bodyPr spcFirstLastPara="0" vert="horz" wrap="square" lIns="208132" tIns="21590" rIns="120904" bIns="21590" numCol="1" spcCol="1270" anchor="t" anchorCtr="0">
+        <a:bodyPr spcFirstLastPara="0" vert="horz" wrap="square" lIns="208132" tIns="19050" rIns="106680" bIns="19050" numCol="1" spcCol="1270" anchor="t" anchorCtr="0">
           <a:noAutofit/>
         </a:bodyPr>
         <a:lstStyle/>
         <a:p>
-          <a:pPr marL="114300" lvl="1" indent="-114300" algn="l" defTabSz="577850">
+          <a:pPr marL="114300" lvl="1" indent="-114300" algn="l" defTabSz="533400">
             <a:lnSpc>
               <a:spcPct val="90000"/>
             </a:lnSpc>
@@ -9488,13 +9614,13 @@
             <a:buChar char="•"/>
           </a:pPr>
           <a:r>
-            <a:rPr lang="de-DE" sz="1300" kern="1200" dirty="0"/>
+            <a:rPr lang="de-DE" sz="1200" kern="1200" dirty="0"/>
             <a:t>Konfiguration liegt auf dem ausführenden System bei der Anwendung</a:t>
           </a:r>
-          <a:endParaRPr lang="en-US" sz="1300" kern="1200" dirty="0"/>
+          <a:endParaRPr lang="en-US" sz="1200" kern="1200" dirty="0"/>
         </a:p>
         <a:p>
-          <a:pPr marL="114300" lvl="1" indent="-114300" algn="l" defTabSz="577850">
+          <a:pPr marL="114300" lvl="1" indent="-114300" algn="l" defTabSz="533400">
             <a:lnSpc>
               <a:spcPct val="90000"/>
             </a:lnSpc>
@@ -9507,21 +9633,16 @@
             <a:buChar char="•"/>
           </a:pPr>
           <a:r>
-            <a:rPr lang="de-DE" sz="1300" kern="1200">
+            <a:rPr lang="de-DE" sz="1200" kern="1200" dirty="0">
               <a:solidFill>
                 <a:srgbClr val="C00000"/>
               </a:solidFill>
             </a:rPr>
-            <a:t>Möglicherweise Umständliche Änderungsweg der Konfiguration</a:t>
+            <a:t>Möglicherweise umständlicher Änderungsweg der Konfiguration</a:t>
           </a:r>
-          <a:endParaRPr lang="de-DE" sz="1300" kern="1200" dirty="0">
-            <a:solidFill>
-              <a:srgbClr val="C00000"/>
-            </a:solidFill>
-          </a:endParaRPr>
         </a:p>
         <a:p>
-          <a:pPr marL="114300" lvl="1" indent="-114300" algn="l" defTabSz="577850">
+          <a:pPr marL="114300" lvl="1" indent="-114300" algn="l" defTabSz="533400">
             <a:lnSpc>
               <a:spcPct val="90000"/>
             </a:lnSpc>
@@ -9534,21 +9655,21 @@
             <a:buChar char="•"/>
           </a:pPr>
           <a:r>
-            <a:rPr lang="de-DE" sz="1300" kern="1200">
+            <a:rPr lang="de-DE" sz="1200" kern="1200">
               <a:solidFill>
                 <a:srgbClr val="C00000"/>
               </a:solidFill>
             </a:rPr>
             <a:t>Manuelle Eingriffe notwendig</a:t>
           </a:r>
-          <a:endParaRPr lang="de-DE" sz="1300" kern="1200" dirty="0">
+          <a:endParaRPr lang="de-DE" sz="1200" kern="1200" dirty="0">
             <a:solidFill>
               <a:srgbClr val="C00000"/>
             </a:solidFill>
           </a:endParaRPr>
         </a:p>
         <a:p>
-          <a:pPr marL="114300" lvl="1" indent="-114300" algn="l" defTabSz="577850">
+          <a:pPr marL="114300" lvl="1" indent="-114300" algn="l" defTabSz="533400">
             <a:lnSpc>
               <a:spcPct val="90000"/>
             </a:lnSpc>
@@ -9561,7 +9682,7 @@
             <a:buChar char="•"/>
           </a:pPr>
           <a:r>
-            <a:rPr lang="de-DE" sz="1300" kern="1200">
+            <a:rPr lang="de-DE" sz="1200" kern="1200">
               <a:solidFill>
                 <a:schemeClr val="accent6">
                   <a:lumMod val="75000"/>
@@ -9570,7 +9691,7 @@
             </a:rPr>
             <a:t>Nur Personen mit Zugriff auf das System haben Zugriff auf die Konfiguration</a:t>
           </a:r>
-          <a:endParaRPr lang="de-DE" sz="1300" kern="1200" dirty="0">
+          <a:endParaRPr lang="de-DE" sz="1200" kern="1200" dirty="0">
             <a:solidFill>
               <a:schemeClr val="accent6">
                 <a:lumMod val="75000"/>
@@ -9579,7 +9700,7 @@
           </a:endParaRPr>
         </a:p>
         <a:p>
-          <a:pPr marL="114300" lvl="1" indent="-114300" algn="l" defTabSz="577850">
+          <a:pPr marL="114300" lvl="1" indent="-114300" algn="l" defTabSz="533400">
             <a:lnSpc>
               <a:spcPct val="90000"/>
             </a:lnSpc>
@@ -9592,7 +9713,7 @@
             <a:buChar char="•"/>
           </a:pPr>
           <a:r>
-            <a:rPr lang="de-DE" sz="1300" kern="1200" dirty="0">
+            <a:rPr lang="de-DE" sz="1200" kern="1200" dirty="0">
               <a:solidFill>
                 <a:schemeClr val="accent6">
                   <a:lumMod val="75000"/>
@@ -9602,10 +9723,48 @@
             <a:t>Bedingte Möglichkeit der Veränderung der Konfiguration</a:t>
           </a:r>
         </a:p>
+        <a:p>
+          <a:pPr marL="114300" lvl="1" indent="-114300" algn="l" defTabSz="533400">
+            <a:lnSpc>
+              <a:spcPct val="90000"/>
+            </a:lnSpc>
+            <a:spcBef>
+              <a:spcPct val="0"/>
+            </a:spcBef>
+            <a:spcAft>
+              <a:spcPct val="20000"/>
+            </a:spcAft>
+            <a:buChar char="•"/>
+          </a:pPr>
+          <a:r>
+            <a:rPr lang="de-DE" sz="1200" kern="1200" dirty="0">
+              <a:solidFill>
+                <a:schemeClr val="tx1"/>
+              </a:solidFill>
+            </a:rPr>
+            <a:t>Kleinere Projekte mit geheimen Daten (API-Keys) &amp; wenigen Endsystemen (Test, </a:t>
+          </a:r>
+          <a:r>
+            <a:rPr lang="de-DE" sz="1200" kern="1200" dirty="0" err="1">
+              <a:solidFill>
+                <a:schemeClr val="tx1"/>
+              </a:solidFill>
+            </a:rPr>
+            <a:t>Prod</a:t>
+          </a:r>
+          <a:r>
+            <a:rPr lang="de-DE" sz="1200" kern="1200" dirty="0">
+              <a:solidFill>
+                <a:schemeClr val="tx1"/>
+              </a:solidFill>
+            </a:rPr>
+            <a:t>)</a:t>
+          </a:r>
+        </a:p>
       </dsp:txBody>
       <dsp:txXfrm>
-        <a:off x="0" y="2024612"/>
-        <a:ext cx="6555347" cy="1126080"/>
+        <a:off x="0" y="1989939"/>
+        <a:ext cx="6555347" cy="1242000"/>
       </dsp:txXfrm>
     </dsp:sp>
     <dsp:sp modelId="{78FE0AAD-7A1F-4C47-976C-1A55B39D3E36}">
@@ -9615,8 +9774,8 @@
       </dsp:nvSpPr>
       <dsp:spPr>
         <a:xfrm>
-          <a:off x="0" y="3150692"/>
-          <a:ext cx="6555347" cy="417690"/>
+          <a:off x="0" y="3231939"/>
+          <a:ext cx="6555347" cy="368549"/>
         </a:xfrm>
         <a:prstGeom prst="roundRect">
           <a:avLst/>
@@ -9658,12 +9817,12 @@
         </a:fontRef>
       </dsp:style>
       <dsp:txBody>
-        <a:bodyPr spcFirstLastPara="0" vert="horz" wrap="square" lIns="64770" tIns="64770" rIns="64770" bIns="64770" numCol="1" spcCol="1270" anchor="ctr" anchorCtr="0">
+        <a:bodyPr spcFirstLastPara="0" vert="horz" wrap="square" lIns="57150" tIns="57150" rIns="57150" bIns="57150" numCol="1" spcCol="1270" anchor="ctr" anchorCtr="0">
           <a:noAutofit/>
         </a:bodyPr>
         <a:lstStyle/>
         <a:p>
-          <a:pPr marL="0" lvl="0" indent="0" algn="l" defTabSz="755650">
+          <a:pPr marL="0" lvl="0" indent="0" algn="l" defTabSz="666750">
             <a:lnSpc>
               <a:spcPct val="90000"/>
             </a:lnSpc>
@@ -9676,15 +9835,15 @@
             <a:buNone/>
           </a:pPr>
           <a:r>
-            <a:rPr lang="de-DE" sz="1700" kern="1200"/>
+            <a:rPr lang="de-DE" sz="1500" kern="1200"/>
             <a:t>Pipeline</a:t>
           </a:r>
-          <a:endParaRPr lang="en-US" sz="1700" kern="1200"/>
+          <a:endParaRPr lang="en-US" sz="1500" kern="1200"/>
         </a:p>
       </dsp:txBody>
       <dsp:txXfrm>
-        <a:off x="20390" y="3171082"/>
-        <a:ext cx="6514567" cy="376910"/>
+        <a:off x="17991" y="3249930"/>
+        <a:ext cx="6519365" cy="332567"/>
       </dsp:txXfrm>
     </dsp:sp>
     <dsp:sp modelId="{942DFC3B-A0EE-45CD-8E76-5DBA9B2BF46B}">
@@ -9694,8 +9853,8 @@
       </dsp:nvSpPr>
       <dsp:spPr>
         <a:xfrm>
-          <a:off x="0" y="3568382"/>
-          <a:ext cx="6555347" cy="897345"/>
+          <a:off x="0" y="3600489"/>
+          <a:ext cx="6555347" cy="1055700"/>
         </a:xfrm>
         <a:prstGeom prst="rect">
           <a:avLst/>
@@ -9719,12 +9878,12 @@
         <a:fontRef idx="minor"/>
       </dsp:style>
       <dsp:txBody>
-        <a:bodyPr spcFirstLastPara="0" vert="horz" wrap="square" lIns="208132" tIns="21590" rIns="120904" bIns="21590" numCol="1" spcCol="1270" anchor="t" anchorCtr="0">
+        <a:bodyPr spcFirstLastPara="0" vert="horz" wrap="square" lIns="208132" tIns="19050" rIns="106680" bIns="19050" numCol="1" spcCol="1270" anchor="t" anchorCtr="0">
           <a:noAutofit/>
         </a:bodyPr>
         <a:lstStyle/>
         <a:p>
-          <a:pPr marL="114300" lvl="1" indent="-114300" algn="l" defTabSz="577850">
+          <a:pPr marL="114300" lvl="1" indent="-114300" algn="l" defTabSz="533400">
             <a:lnSpc>
               <a:spcPct val="90000"/>
             </a:lnSpc>
@@ -9737,13 +9896,13 @@
             <a:buChar char="•"/>
           </a:pPr>
           <a:r>
-            <a:rPr lang="de-DE" sz="1300" kern="1200" dirty="0"/>
+            <a:rPr lang="de-DE" sz="1200" kern="1200" dirty="0"/>
             <a:t>Konfiguration des Systems durch Hinzufügen in der Pipeline</a:t>
           </a:r>
-          <a:endParaRPr lang="en-US" sz="1300" kern="1200" dirty="0"/>
+          <a:endParaRPr lang="en-US" sz="1200" kern="1200" dirty="0"/>
         </a:p>
         <a:p>
-          <a:pPr marL="114300" lvl="1" indent="-114300" algn="l" defTabSz="577850">
+          <a:pPr marL="114300" lvl="1" indent="-114300" algn="l" defTabSz="533400">
             <a:lnSpc>
               <a:spcPct val="90000"/>
             </a:lnSpc>
@@ -9756,21 +9915,21 @@
             <a:buChar char="•"/>
           </a:pPr>
           <a:r>
-            <a:rPr lang="de-DE" sz="1300" kern="1200">
+            <a:rPr lang="de-DE" sz="1200" kern="1200">
               <a:solidFill>
                 <a:srgbClr val="C00000"/>
               </a:solidFill>
             </a:rPr>
             <a:t>Konfiguration nur Änderbar bei Durchlaufen der Pipeline</a:t>
           </a:r>
-          <a:endParaRPr lang="de-DE" sz="1300" kern="1200" dirty="0">
+          <a:endParaRPr lang="de-DE" sz="1200" kern="1200" dirty="0">
             <a:solidFill>
               <a:srgbClr val="C00000"/>
             </a:solidFill>
           </a:endParaRPr>
         </a:p>
         <a:p>
-          <a:pPr marL="114300" lvl="1" indent="-114300" algn="l" defTabSz="577850">
+          <a:pPr marL="114300" lvl="1" indent="-114300" algn="l" defTabSz="533400">
             <a:lnSpc>
               <a:spcPct val="90000"/>
             </a:lnSpc>
@@ -9783,7 +9942,7 @@
             <a:buChar char="•"/>
           </a:pPr>
           <a:r>
-            <a:rPr lang="de-DE" sz="1300" kern="1200">
+            <a:rPr lang="de-DE" sz="1200" kern="1200">
               <a:solidFill>
                 <a:schemeClr val="accent6">
                   <a:lumMod val="75000"/>
@@ -9792,7 +9951,7 @@
             </a:rPr>
             <a:t>Konfiguration ist automatisiert</a:t>
           </a:r>
-          <a:endParaRPr lang="de-DE" sz="1300" kern="1200" dirty="0">
+          <a:endParaRPr lang="de-DE" sz="1200" kern="1200" dirty="0">
             <a:solidFill>
               <a:schemeClr val="accent6">
                 <a:lumMod val="75000"/>
@@ -9801,7 +9960,7 @@
           </a:endParaRPr>
         </a:p>
         <a:p>
-          <a:pPr marL="114300" lvl="1" indent="-114300" algn="l" defTabSz="577850">
+          <a:pPr marL="114300" lvl="1" indent="-114300" algn="l" defTabSz="533400">
             <a:lnSpc>
               <a:spcPct val="90000"/>
             </a:lnSpc>
@@ -9814,7 +9973,7 @@
             <a:buChar char="•"/>
           </a:pPr>
           <a:r>
-            <a:rPr lang="de-DE" sz="1300" kern="1200" dirty="0">
+            <a:rPr lang="de-DE" sz="1200" kern="1200" dirty="0">
               <a:solidFill>
                 <a:schemeClr val="accent6">
                   <a:lumMod val="75000"/>
@@ -9824,10 +9983,32 @@
             <a:t>Konfiguration kann geheim bleiben</a:t>
           </a:r>
         </a:p>
+        <a:p>
+          <a:pPr marL="114300" lvl="1" indent="-114300" algn="l" defTabSz="533400">
+            <a:lnSpc>
+              <a:spcPct val="90000"/>
+            </a:lnSpc>
+            <a:spcBef>
+              <a:spcPct val="0"/>
+            </a:spcBef>
+            <a:spcAft>
+              <a:spcPct val="20000"/>
+            </a:spcAft>
+            <a:buChar char="•"/>
+          </a:pPr>
+          <a:r>
+            <a:rPr lang="de-DE" sz="1200" kern="1200" dirty="0">
+              <a:solidFill>
+                <a:schemeClr val="tx1"/>
+              </a:solidFill>
+            </a:rPr>
+            <a:t>Projekte mit geheimen Daten und mehreren Endsystemen</a:t>
+          </a:r>
+        </a:p>
       </dsp:txBody>
       <dsp:txXfrm>
-        <a:off x="0" y="3568382"/>
-        <a:ext cx="6555347" cy="897345"/>
+        <a:off x="0" y="3600489"/>
+        <a:ext cx="6555347" cy="1055700"/>
       </dsp:txXfrm>
     </dsp:sp>
     <dsp:sp modelId="{ECA0BBE4-96E3-4556-BA32-49327D19609E}">
@@ -9837,8 +10018,8 @@
       </dsp:nvSpPr>
       <dsp:spPr>
         <a:xfrm>
-          <a:off x="0" y="4465727"/>
-          <a:ext cx="6555347" cy="417690"/>
+          <a:off x="0" y="4656190"/>
+          <a:ext cx="6555347" cy="368549"/>
         </a:xfrm>
         <a:prstGeom prst="roundRect">
           <a:avLst/>
@@ -9880,12 +10061,12 @@
         </a:fontRef>
       </dsp:style>
       <dsp:txBody>
-        <a:bodyPr spcFirstLastPara="0" vert="horz" wrap="square" lIns="64770" tIns="64770" rIns="64770" bIns="64770" numCol="1" spcCol="1270" anchor="ctr" anchorCtr="0">
+        <a:bodyPr spcFirstLastPara="0" vert="horz" wrap="square" lIns="57150" tIns="57150" rIns="57150" bIns="57150" numCol="1" spcCol="1270" anchor="ctr" anchorCtr="0">
           <a:noAutofit/>
         </a:bodyPr>
         <a:lstStyle/>
         <a:p>
-          <a:pPr marL="0" lvl="0" indent="0" algn="l" defTabSz="755650">
+          <a:pPr marL="0" lvl="0" indent="0" algn="l" defTabSz="666750">
             <a:lnSpc>
               <a:spcPct val="90000"/>
             </a:lnSpc>
@@ -9898,15 +10079,15 @@
             <a:buNone/>
           </a:pPr>
           <a:r>
-            <a:rPr lang="de-DE" sz="1700" kern="1200"/>
+            <a:rPr lang="de-DE" sz="1500" kern="1200"/>
             <a:t>Konfigurationssoftware (Management software)</a:t>
           </a:r>
-          <a:endParaRPr lang="en-US" sz="1700" kern="1200"/>
+          <a:endParaRPr lang="en-US" sz="1500" kern="1200"/>
         </a:p>
       </dsp:txBody>
       <dsp:txXfrm>
-        <a:off x="20390" y="4486117"/>
-        <a:ext cx="6514567" cy="376910"/>
+        <a:off x="17991" y="4674181"/>
+        <a:ext cx="6519365" cy="332567"/>
       </dsp:txXfrm>
     </dsp:sp>
     <dsp:sp modelId="{ECDCD8D3-5A36-4DC2-9160-9859977A8626}">
@@ -9916,8 +10097,8 @@
       </dsp:nvSpPr>
       <dsp:spPr>
         <a:xfrm>
-          <a:off x="0" y="4883417"/>
-          <a:ext cx="6555347" cy="1548360"/>
+          <a:off x="0" y="5024740"/>
+          <a:ext cx="6555347" cy="1459350"/>
         </a:xfrm>
         <a:prstGeom prst="rect">
           <a:avLst/>
@@ -9941,12 +10122,12 @@
         <a:fontRef idx="minor"/>
       </dsp:style>
       <dsp:txBody>
-        <a:bodyPr spcFirstLastPara="0" vert="horz" wrap="square" lIns="208132" tIns="21590" rIns="120904" bIns="21590" numCol="1" spcCol="1270" anchor="t" anchorCtr="0">
+        <a:bodyPr spcFirstLastPara="0" vert="horz" wrap="square" lIns="208132" tIns="19050" rIns="106680" bIns="19050" numCol="1" spcCol="1270" anchor="t" anchorCtr="0">
           <a:noAutofit/>
         </a:bodyPr>
         <a:lstStyle/>
         <a:p>
-          <a:pPr marL="114300" lvl="1" indent="-114300" algn="l" defTabSz="577850">
+          <a:pPr marL="114300" lvl="1" indent="-114300" algn="l" defTabSz="533400">
             <a:lnSpc>
               <a:spcPct val="90000"/>
             </a:lnSpc>
@@ -9959,21 +10140,21 @@
             <a:buChar char="•"/>
           </a:pPr>
           <a:r>
-            <a:rPr lang="de-DE" sz="1300" kern="1200" dirty="0"/>
+            <a:rPr lang="de-DE" sz="1200" kern="1200" dirty="0"/>
             <a:t>Automatisierte Konfiguration von mehreren Systemen durch Software (</a:t>
           </a:r>
           <a:r>
-            <a:rPr lang="de-DE" sz="1300" kern="1200" dirty="0" err="1"/>
+            <a:rPr lang="de-DE" sz="1200" kern="1200" dirty="0" err="1"/>
             <a:t>Ansible</a:t>
           </a:r>
           <a:r>
-            <a:rPr lang="de-DE" sz="1300" kern="1200" dirty="0"/>
+            <a:rPr lang="de-DE" sz="1200" kern="1200" dirty="0"/>
             <a:t>, Terraform, …)</a:t>
           </a:r>
-          <a:endParaRPr lang="en-US" sz="1300" kern="1200" dirty="0"/>
+          <a:endParaRPr lang="en-US" sz="1200" kern="1200" dirty="0"/>
         </a:p>
         <a:p>
-          <a:pPr marL="114300" lvl="1" indent="-114300" algn="l" defTabSz="577850">
+          <a:pPr marL="114300" lvl="1" indent="-114300" algn="l" defTabSz="533400">
             <a:lnSpc>
               <a:spcPct val="90000"/>
             </a:lnSpc>
@@ -9986,16 +10167,14 @@
             <a:buChar char="•"/>
           </a:pPr>
           <a:r>
-            <a:rPr lang="de-DE" sz="1300" kern="1200">
+            <a:rPr lang="de-DE" sz="1200" kern="1200" dirty="0">
               <a:solidFill>
-                <a:schemeClr val="accent6">
-                  <a:lumMod val="75000"/>
-                </a:schemeClr>
+                <a:srgbClr val="C00000"/>
               </a:solidFill>
             </a:rPr>
-            <a:t>Konfiguration ist automatisiert</a:t>
+            <a:t>Viel Einrichtungsaufwand</a:t>
           </a:r>
-          <a:endParaRPr lang="de-DE" sz="1300" kern="1200" dirty="0">
+          <a:endParaRPr lang="de-DE" sz="1200" kern="1200" dirty="0">
             <a:solidFill>
               <a:schemeClr val="accent6">
                 <a:lumMod val="75000"/>
@@ -10004,7 +10183,7 @@
           </a:endParaRPr>
         </a:p>
         <a:p>
-          <a:pPr marL="114300" lvl="1" indent="-114300" algn="l" defTabSz="577850">
+          <a:pPr marL="114300" lvl="1" indent="-114300" algn="l" defTabSz="533400">
             <a:lnSpc>
               <a:spcPct val="90000"/>
             </a:lnSpc>
@@ -10017,25 +10196,16 @@
             <a:buChar char="•"/>
           </a:pPr>
           <a:r>
-            <a:rPr lang="de-DE" sz="1300" kern="1200">
+            <a:rPr lang="de-DE" sz="1200" kern="1200" dirty="0">
               <a:solidFill>
-                <a:schemeClr val="accent6">
-                  <a:lumMod val="75000"/>
-                </a:schemeClr>
+                <a:srgbClr val="C00000"/>
               </a:solidFill>
             </a:rPr>
-            <a:t>Einfaches Ändern der Konfiguration</a:t>
+            <a:t>Möglicherweise schnelle Unübersichtlichkeit</a:t>
           </a:r>
-          <a:endParaRPr lang="de-DE" sz="1300" kern="1200" dirty="0">
-            <a:solidFill>
-              <a:schemeClr val="accent6">
-                <a:lumMod val="75000"/>
-              </a:schemeClr>
-            </a:solidFill>
-          </a:endParaRPr>
         </a:p>
         <a:p>
-          <a:pPr marL="114300" lvl="1" indent="-114300" algn="l" defTabSz="577850">
+          <a:pPr marL="114300" lvl="1" indent="-114300" algn="l" defTabSz="533400">
             <a:lnSpc>
               <a:spcPct val="90000"/>
             </a:lnSpc>
@@ -10048,25 +10218,18 @@
             <a:buChar char="•"/>
           </a:pPr>
           <a:r>
-            <a:rPr lang="de-DE" sz="1300" kern="1200">
+            <a:rPr lang="de-DE" sz="1200" kern="1200" dirty="0">
               <a:solidFill>
                 <a:schemeClr val="accent6">
                   <a:lumMod val="75000"/>
                 </a:schemeClr>
               </a:solidFill>
             </a:rPr>
-            <a:t>Skalierbar</a:t>
+            <a:t>Konfiguration ist automatisiert</a:t>
           </a:r>
-          <a:endParaRPr lang="de-DE" sz="1300" kern="1200" dirty="0">
-            <a:solidFill>
-              <a:schemeClr val="accent6">
-                <a:lumMod val="75000"/>
-              </a:schemeClr>
-            </a:solidFill>
-          </a:endParaRPr>
         </a:p>
         <a:p>
-          <a:pPr marL="114300" lvl="1" indent="-114300" algn="l" defTabSz="577850">
+          <a:pPr marL="114300" lvl="1" indent="-114300" algn="l" defTabSz="533400">
             <a:lnSpc>
               <a:spcPct val="90000"/>
             </a:lnSpc>
@@ -10079,21 +10242,25 @@
             <a:buChar char="•"/>
           </a:pPr>
           <a:r>
-            <a:rPr lang="de-DE" sz="1300" kern="1200">
+            <a:rPr lang="de-DE" sz="1200" kern="1200">
               <a:solidFill>
-                <a:srgbClr val="C00000"/>
+                <a:schemeClr val="accent6">
+                  <a:lumMod val="75000"/>
+                </a:schemeClr>
               </a:solidFill>
             </a:rPr>
-            <a:t>Viel Einrichtungsaufwand</a:t>
+            <a:t>Einfaches Ändern der Konfiguration</a:t>
           </a:r>
-          <a:endParaRPr lang="de-DE" sz="1300" kern="1200" dirty="0">
+          <a:endParaRPr lang="de-DE" sz="1200" kern="1200" dirty="0">
             <a:solidFill>
-              <a:srgbClr val="C00000"/>
+              <a:schemeClr val="accent6">
+                <a:lumMod val="75000"/>
+              </a:schemeClr>
             </a:solidFill>
           </a:endParaRPr>
         </a:p>
         <a:p>
-          <a:pPr marL="114300" lvl="1" indent="-114300" algn="l" defTabSz="577850">
+          <a:pPr marL="114300" lvl="1" indent="-114300" algn="l" defTabSz="533400">
             <a:lnSpc>
               <a:spcPct val="90000"/>
             </a:lnSpc>
@@ -10106,18 +10273,49 @@
             <a:buChar char="•"/>
           </a:pPr>
           <a:r>
-            <a:rPr lang="de-DE" sz="1300" kern="1200" dirty="0">
+            <a:rPr lang="de-DE" sz="1200" kern="1200">
               <a:solidFill>
-                <a:srgbClr val="C00000"/>
+                <a:schemeClr val="accent6">
+                  <a:lumMod val="75000"/>
+                </a:schemeClr>
               </a:solidFill>
             </a:rPr>
-            <a:t>Möglicherweise schnelle Unübersichtlichkeit</a:t>
+            <a:t>Skalierbar</a:t>
+          </a:r>
+          <a:endParaRPr lang="de-DE" sz="1200" kern="1200" dirty="0">
+            <a:solidFill>
+              <a:schemeClr val="accent6">
+                <a:lumMod val="75000"/>
+              </a:schemeClr>
+            </a:solidFill>
+          </a:endParaRPr>
+        </a:p>
+        <a:p>
+          <a:pPr marL="114300" lvl="1" indent="-114300" algn="l" defTabSz="533400">
+            <a:lnSpc>
+              <a:spcPct val="90000"/>
+            </a:lnSpc>
+            <a:spcBef>
+              <a:spcPct val="0"/>
+            </a:spcBef>
+            <a:spcAft>
+              <a:spcPct val="20000"/>
+            </a:spcAft>
+            <a:buChar char="•"/>
+          </a:pPr>
+          <a:r>
+            <a:rPr lang="de-DE" sz="1200" kern="1200" dirty="0">
+              <a:solidFill>
+                <a:schemeClr val="tx1"/>
+              </a:solidFill>
+            </a:rPr>
+            <a:t>Größere Projekte mit geheimen Daten und mehreren Endsystemen</a:t>
           </a:r>
         </a:p>
       </dsp:txBody>
       <dsp:txXfrm>
-        <a:off x="0" y="4883417"/>
-        <a:ext cx="6555347" cy="1548360"/>
+        <a:off x="0" y="5024740"/>
+        <a:ext cx="6555347" cy="1459350"/>
       </dsp:txXfrm>
     </dsp:sp>
   </dsp:spTree>
@@ -15188,7 +15386,7 @@
           <a:p>
             <a:fld id="{3D2BF604-FACE-41CC-BE32-BD41C4ED6321}" type="datetimeFigureOut">
               <a:rPr lang="de-DE" smtClean="0"/>
-              <a:t>07.08.2024</a:t>
+              <a:t>08.08.2024</a:t>
             </a:fld>
             <a:endParaRPr lang="de-DE"/>
           </a:p>
@@ -15700,7 +15898,7 @@
           <a:p>
             <a:fld id="{00F66BD3-5387-441A-AC5E-45E8B426FF81}" type="datetimeFigureOut">
               <a:rPr lang="de-DE" smtClean="0"/>
-              <a:t>07.08.2024</a:t>
+              <a:t>08.08.2024</a:t>
             </a:fld>
             <a:endParaRPr lang="de-DE"/>
           </a:p>
@@ -15898,7 +16096,7 @@
           <a:p>
             <a:fld id="{00F66BD3-5387-441A-AC5E-45E8B426FF81}" type="datetimeFigureOut">
               <a:rPr lang="de-DE" smtClean="0"/>
-              <a:t>07.08.2024</a:t>
+              <a:t>08.08.2024</a:t>
             </a:fld>
             <a:endParaRPr lang="de-DE"/>
           </a:p>
@@ -16106,7 +16304,7 @@
           <a:p>
             <a:fld id="{00F66BD3-5387-441A-AC5E-45E8B426FF81}" type="datetimeFigureOut">
               <a:rPr lang="de-DE" smtClean="0"/>
-              <a:t>07.08.2024</a:t>
+              <a:t>08.08.2024</a:t>
             </a:fld>
             <a:endParaRPr lang="de-DE"/>
           </a:p>
@@ -16304,7 +16502,7 @@
           <a:p>
             <a:fld id="{00F66BD3-5387-441A-AC5E-45E8B426FF81}" type="datetimeFigureOut">
               <a:rPr lang="de-DE" smtClean="0"/>
-              <a:t>07.08.2024</a:t>
+              <a:t>08.08.2024</a:t>
             </a:fld>
             <a:endParaRPr lang="de-DE"/>
           </a:p>
@@ -16579,7 +16777,7 @@
           <a:p>
             <a:fld id="{00F66BD3-5387-441A-AC5E-45E8B426FF81}" type="datetimeFigureOut">
               <a:rPr lang="de-DE" smtClean="0"/>
-              <a:t>07.08.2024</a:t>
+              <a:t>08.08.2024</a:t>
             </a:fld>
             <a:endParaRPr lang="de-DE"/>
           </a:p>
@@ -16844,7 +17042,7 @@
           <a:p>
             <a:fld id="{00F66BD3-5387-441A-AC5E-45E8B426FF81}" type="datetimeFigureOut">
               <a:rPr lang="de-DE" smtClean="0"/>
-              <a:t>07.08.2024</a:t>
+              <a:t>08.08.2024</a:t>
             </a:fld>
             <a:endParaRPr lang="de-DE"/>
           </a:p>
@@ -17256,7 +17454,7 @@
           <a:p>
             <a:fld id="{00F66BD3-5387-441A-AC5E-45E8B426FF81}" type="datetimeFigureOut">
               <a:rPr lang="de-DE" smtClean="0"/>
-              <a:t>07.08.2024</a:t>
+              <a:t>08.08.2024</a:t>
             </a:fld>
             <a:endParaRPr lang="de-DE"/>
           </a:p>
@@ -17397,7 +17595,7 @@
           <a:p>
             <a:fld id="{00F66BD3-5387-441A-AC5E-45E8B426FF81}" type="datetimeFigureOut">
               <a:rPr lang="de-DE" smtClean="0"/>
-              <a:t>07.08.2024</a:t>
+              <a:t>08.08.2024</a:t>
             </a:fld>
             <a:endParaRPr lang="de-DE"/>
           </a:p>
@@ -17510,7 +17708,7 @@
           <a:p>
             <a:fld id="{00F66BD3-5387-441A-AC5E-45E8B426FF81}" type="datetimeFigureOut">
               <a:rPr lang="de-DE" smtClean="0"/>
-              <a:t>07.08.2024</a:t>
+              <a:t>08.08.2024</a:t>
             </a:fld>
             <a:endParaRPr lang="de-DE"/>
           </a:p>
@@ -17821,7 +18019,7 @@
           <a:p>
             <a:fld id="{00F66BD3-5387-441A-AC5E-45E8B426FF81}" type="datetimeFigureOut">
               <a:rPr lang="de-DE" smtClean="0"/>
-              <a:t>07.08.2024</a:t>
+              <a:t>08.08.2024</a:t>
             </a:fld>
             <a:endParaRPr lang="de-DE"/>
           </a:p>
@@ -18109,7 +18307,7 @@
           <a:p>
             <a:fld id="{00F66BD3-5387-441A-AC5E-45E8B426FF81}" type="datetimeFigureOut">
               <a:rPr lang="de-DE" smtClean="0"/>
-              <a:t>07.08.2024</a:t>
+              <a:t>08.08.2024</a:t>
             </a:fld>
             <a:endParaRPr lang="de-DE"/>
           </a:p>
@@ -18350,7 +18548,7 @@
           <a:p>
             <a:fld id="{00F66BD3-5387-441A-AC5E-45E8B426FF81}" type="datetimeFigureOut">
               <a:rPr lang="de-DE" smtClean="0"/>
-              <a:t>07.08.2024</a:t>
+              <a:t>08.08.2024</a:t>
             </a:fld>
             <a:endParaRPr lang="de-DE"/>
           </a:p>
@@ -21506,7 +21704,7 @@
             <p:ph idx="1"/>
             <p:extLst>
               <p:ext uri="{D42A27DB-BD31-4B8C-83A1-F6EECF244321}">
-                <p14:modId xmlns:p14="http://schemas.microsoft.com/office/powerpoint/2010/main" val="3139428627"/>
+                <p14:modId xmlns:p14="http://schemas.microsoft.com/office/powerpoint/2010/main" val="117844687"/>
               </p:ext>
             </p:extLst>
           </p:nvPr>
@@ -26813,7 +27011,7 @@
             <a:pPr lvl="1"/>
             <a:r>
               <a:rPr lang="de-DE" sz="2000" dirty="0" err="1"/>
-              <a:t>Application-PROFIL.properties</a:t>
+              <a:t>Application.properties</a:t>
             </a:r>
             <a:r>
               <a:rPr lang="de-DE" sz="2000" dirty="0"/>
@@ -26835,14 +27033,30 @@
             <a:pPr lvl="1"/>
             <a:r>
               <a:rPr lang="de-DE" sz="2000" dirty="0"/>
-              <a:t>Vite.config.js (VITE)</a:t>
+              <a:t>Vite.config.js &amp; .</a:t>
+            </a:r>
+            <a:r>
+              <a:rPr lang="de-DE" sz="2000" dirty="0" err="1"/>
+              <a:t>env</a:t>
+            </a:r>
+            <a:r>
+              <a:rPr lang="de-DE" sz="2000" dirty="0"/>
+              <a:t> (VITE)</a:t>
             </a:r>
           </a:p>
           <a:p>
             <a:pPr lvl="1"/>
             <a:r>
               <a:rPr lang="de-DE" sz="2000" dirty="0"/>
-              <a:t>webpack.config.js (</a:t>
+              <a:t>webpack.config.js &amp; .</a:t>
+            </a:r>
+            <a:r>
+              <a:rPr lang="de-DE" sz="2000" dirty="0" err="1"/>
+              <a:t>env</a:t>
+            </a:r>
+            <a:r>
+              <a:rPr lang="de-DE" sz="2000" dirty="0"/>
+              <a:t> (</a:t>
             </a:r>
             <a:r>
               <a:rPr lang="de-DE" sz="2000" dirty="0" err="1"/>
@@ -26857,7 +27071,15 @@
             <a:pPr lvl="1"/>
             <a:r>
               <a:rPr lang="de-DE" sz="2000" dirty="0"/>
-              <a:t>Vue.config.js (VUE + </a:t>
+              <a:t>Vue.config.js &amp; .</a:t>
+            </a:r>
+            <a:r>
+              <a:rPr lang="de-DE" sz="2000" dirty="0" err="1"/>
+              <a:t>env</a:t>
+            </a:r>
+            <a:r>
+              <a:rPr lang="de-DE" sz="2000" dirty="0"/>
+              <a:t> (VUE + </a:t>
             </a:r>
             <a:r>
               <a:rPr lang="de-DE" sz="2000" dirty="0" err="1"/>
